--- a/s-401-404/1. Intro to Probability.pptx
+++ b/s-401-404/1. Intro to Probability.pptx
@@ -50,6 +50,248 @@
     </p:ext>
   </p:extLst>
 </p:presentation>
+</file>
+
+<file path=ppt/ink/ink1.xml><?xml version="1.0" encoding="utf-8"?>
+<inkml:ink xmlns:inkml="http://www.w3.org/2003/InkML">
+  <inkml:definitions>
+    <inkml:context xml:id="ctx0">
+      <inkml:inkSource xml:id="inkSrc0">
+        <inkml:traceFormat>
+          <inkml:channel name="X" type="integer" min="-2.14748E9" max="2.14748E9" units="cm"/>
+          <inkml:channel name="Y" type="integer" min="-2.14748E9" max="2.14748E9" units="cm"/>
+          <inkml:channel name="F" type="integer" max="32767" units="dev"/>
+        </inkml:traceFormat>
+        <inkml:channelProperties>
+          <inkml:channelProperty channel="X" name="resolution" value="1000" units="1/cm"/>
+          <inkml:channelProperty channel="Y" name="resolution" value="1000" units="1/cm"/>
+          <inkml:channelProperty channel="F" name="resolution" value="0" units="1/dev"/>
+        </inkml:channelProperties>
+      </inkml:inkSource>
+      <inkml:timestamp xml:id="ts0" timeString="2024-09-30T09:21:40.204"/>
+    </inkml:context>
+    <inkml:brush xml:id="br0">
+      <inkml:brushProperty name="width" value="0.05292" units="cm"/>
+      <inkml:brushProperty name="height" value="0.05292" units="cm"/>
+      <inkml:brushProperty name="color" value="#FF0000"/>
+    </inkml:brush>
+  </inkml:definitions>
+  <inkml:trace contextRef="#ctx0" brushRef="#br0">5540 7666 24575,'12'-7'0,"3"1"0,10-9 0,-5 4 0,6-6 0,-3-1 0,-13 10 0,5-5 0,-12 10 0,-3 4 0,-1 17 0,-1 9 0,2 2 0,-1 2 0,1 1 0,0 4 0,0-1-973,0-2 0,1 0 1,-1-2 972,2 7 0,0-3 0,-2-3 0,0-2-134,1-11 0,1-1 134,0 9 0,1-8 0,-1-13 0,-2-5 0,0 0 0,0-3 0</inkml:trace>
+  <inkml:trace contextRef="#ctx0" brushRef="#br0" timeOffset="1133">6003 7641 24575,'6'-7'0,"-1"1"0,-1 3 0,0 0 0,1 2 0,-1-1 0,4 2 0,0 0 0,4 4 0,8 3 0,-7 3 0,11 15 0,-16-5 0,-1 3 0,3 10 0,-1 4-264,-5-7 1,-1 1 0,0 0 263,0-2 0,0 0 0,-1-2 0,-4 7 0,-2-4 0,2-7 0,-3-4 0,-5 1 0,1-6 0,4-6 0,0-3 0,1-2 0,1-1 790,-1-1-790,1-1 0,-1 0 0,-4 0 0,-11-10 0,-3-3 0,1-5 0,10 2 0,8 3 0,7 1 0,2-1 0,4 4 0,2 3 0,0 2 0,-3 2 0,-1 0 0,0 2 0,-2 0 0,11 6 0,-1 2 0,8 3 0,0 0 0,-6-5 0,-3-2 0,-5-3 0,0-1 0,-2 0 0,4-2 0,-6-1 0,1 0 0,-1-2 0,4-6 0,-3 5 0,15-4 0,5 2-135,-6 1 0,-1 1 0,5 0 0,-2 1 0,6-4 0</inkml:trace>
+  <inkml:trace contextRef="#ctx0" brushRef="#br0" timeOffset="1766">6664 7650 24575,'0'31'0,"0"2"0,0-14 0,0 0-531,0 0 0,0 1 531,0-1 0,0 0 0,0 0 0,0 0 174,0 9 0,0 0-174,1-7 0,0 0 88,0 2 0,1-1-88,4 0 0,6-11 0,10-7 0,13-3 0,-4 0 0,1-2 0,-7 0 0,0-1-29,4-1 1,-3 0 28,-1-4 0,-7-1 0,-6 2 0,-5 3 0,0-3 0,-4 4 0,-2-5 595,9-4-595,-8 2 0,5-10 0,-8 15 0,-1-6 0</inkml:trace>
+  <inkml:trace contextRef="#ctx0" brushRef="#br0" timeOffset="2117">6980 7900 24575,'3'26'0,"0"-1"0,0 1 0,0 11 0,1-1 0,0-3 0,0-1 0,-2 0 0,-1-3 0,1-1 0,-1-3 0,3-17 0,-3-6 0,0-1 0</inkml:trace>
+  <inkml:trace contextRef="#ctx0" brushRef="#br0" timeOffset="3217">7360 7649 24575,'-14'-2'0,"-2"-2"0,-9 4 0,-2-3 0,2 5 0,-4 5 0,-1 9 0,10-4 0,-1 7 0,10 7 0,5-7 0,0 1 0,-1 0 0,1 0 0,-1 16 0,4-18 0,3-6 0,0-3 0,4 2 0,-2-6 0,3 2 0,3-6 0,23 0 0,-6-5 0,3-3 0,-1 2 0,2-1 0,-1-1 0,0 0 0,-2-2 0,0 1 0,6-2 0,-3 1 0,3-2 0,-22 9 0,-7 1 0,1 2 0,-1 1 0,2 1 0,0 2 0,1 3 0,3 7 0,1 4 0,1 5 0,-3-5 0,-1-2 0,-2 3 0,3 8 0,-10-20 0,-6 0 0,-7 0 0,-12-2 0,7-2 0,0-1 0,9-3 0,2 0 0,0 0 0,0 0 0,4-1 0,1 1 0,0-3 0,1 3 0,0-1 0,2 1 0,0 0 0</inkml:trace>
+  <inkml:trace contextRef="#ctx0" brushRef="#br0" timeOffset="22500">4555 7574 24575,'2'14'0,"1"-2"0,3 9 0,-3-8 0,2-2 0,-4-6 0,1-1 0,-1-1 0,0 2 0,-1-2 0,3 3 0,-3-3 0,3 5 0,-3-4 0,3 5 0,-1-3 0,-1 2 0,3 0 0,-4-1 0,3 0 0,-3-2 0,1 1 0,0-2 0,1 3 0,0-3 0,0 1 0,-1-2 0,2 0 0,-3-1 0,4 4 0,0-1 0,1 2 0,1 0 0,-2-3 0,-2 0 0,1-3 0,0 2 0,-1-2 0,4 3 0,-3-2 0,2 1 0,-1-1 0,0 1 0,0-2 0,0 0 0,-1-1 0,2 0 0,-1 0 0,4 0 0,0 0 0,-2 0 0,2 0 0,-5 0 0,0 0 0,1 0 0,-1 0 0,1 0 0,-1 0 0,0-1 0,0-1 0,2 0 0,1-2 0,-1 0 0,0-6 0,-2-2 0,-1-4 0,1 1 0,-2 1 0,6 4 0,-6 1 0,4 4 0,-5 1 0,4-3 0,-1 3 0,3-4 0,-3 5 0,-1-2 0,-3 0 0,0 0 0,1-1 0,0 2 0,0-2 0,0 1 0,0 0 0,0 1 0,0 0 0,0 1 0,-1-1 0,0 2 0,0-2 0,1 0 0,-1-3 0,1 2 0,-1-2 0,1 2 0,0 0 0,-2 0 0,2 3 0,-1-1 0</inkml:trace>
+  <inkml:trace contextRef="#ctx0" brushRef="#br0" timeOffset="26935">4586 8556 24575,'6'-16'0,"-2"-3"0,-4-2 0,2 3 0,-1 1 0,1 9 0,-1 0 0,-1 4 0,1-1 0,-1 2 0,1-2 0,-1 2 0,2-3 0,-1 0 0,3-1 0,1-7 0,1 1 0,0-4 0,-1 3 0,1 3 0,-4 6 0,1 1 0,-1 1 0,0-1 0,0 1 0,0-2 0,-1 2 0,1-3 0,0 1 0,-1-3 0,1 2 0,0 0 0,1 1 0,-1-1 0,1 2 0,1-3 0,-1 3 0,1 0 0,-2 0 0,1 1 0,0-1 0,-1 1 0,1 0 0,0 2 0,2-3 0,1 1 0,2-2 0,0 0 0,0 1 0,0 2 0,-1 0 0,0 1 0,-2 1 0,0 0 0,-1 0 0,-1 0 0,1 0 0,-2 0 0,2 0 0,-1 0 0,4 1 0,-3 1 0,3-1 0,-2 2 0,2-2 0,-3 1 0,4 1 0,-5-1 0,3 3 0,-3-2 0,1 1 0,-1-1 0,-1-1 0,1 1 0,0 0 0,1 2 0,-3-1 0,3 5 0,-3-2 0,2 3 0,-1-4 0,-1 0 0,0-2 0,-1-2 0,1 1 0,-1 0 0,0-1 0,0 3 0,0 0 0,0 3 0,0-3 0,0 1 0,0-1 0,0 0 0,0 1 0,0 2 0,0-3 0,0 1 0,0-1 0,0-2 0,0 2 0,0-2 0,0 1 0,0 1 0,0 2 0,0 0 0,0 3 0,2-3 0,-2 2 0,2-1 0,-1 0 0,1 1 0,-2-4 0,2 0 0,-1-1 0,0 0 0,1 1 0,0 0 0,0 0 0,0 1 0,0-1 0,0-1 0,-2-1 0,2-2 0,-2 0 0</inkml:trace>
+  <inkml:trace contextRef="#ctx0" brushRef="#br0" timeOffset="29671">5805 8474 24575,'-1'-4'0,"-2"0"0,3 1 0,-1-2 0,1 0 0,2-5 0,1-2 0,1 1 0,-1 2 0,-1 5 0,-1 1 0,2-1 0,-1 1 0,2-2 0,0 1 0,0-1 0,4 1 0,6 1 0,1 1 0,4 1 0,-4 2 0,-2 3 0,-3 1 0,-2 2 0,3 4 0,-3-1 0,3 2 0,-4-1 0,-3-2 0,1 0 0,-2-1 0,1 0 0,0 6 0,-1 1 0,-6 5 0,-3 4 0,-6-3 0,-6 9 0,3-11 0,0-6 0,-3 0 0,-8 1 0,8-4 0,1-1 0,-14 5 0,6-5 0,-6-2 0,10-5 0,1 0 0,12-2 0,5 1 0,-1-1 0,0 0 0,1 0 0,-1-1 0,2-2 0,4-6 0,-2 3 0,5-3 0,-2 6 0,0 0 0,-1 1 0,2 0 0,3 1 0,4 1 0,4 0 0,2 1 0,0 2 0,9 4 0,-4-1 0,8 0 0,-4-4 0,-9 0 0,2-2 0,-10 0 0,3 0 0,0 0 0,0 0 0,-4 0 0,9 0 0,-2 0 0,9-2 0,-6 2 0,1-4 0,-7 2 0,0-2 0,2-2 0,-5 3 0,10-6 0,-11 5 0,6-3 0,-9 0 0,1 4 0,0-4 0,0 4 0,-5 2 0,0-1 0,-4 2 0</inkml:trace>
+  <inkml:trace contextRef="#ctx0" brushRef="#br0" timeOffset="45870">5679 9013 24575,'-1'31'0,"1"-4"0,1 3 0,2-9 0,-1-7 0,0-3 0,2-4 0,-3-3 0,4 1 0,8-1 0,10 2 0,9 1 0,-5-5 0,1 0 0,0-1 0,-2-1 0,-1-2 0,-1 0 0,8-3 0,-23 2 0,-7 2 0</inkml:trace>
+  <inkml:trace contextRef="#ctx0" brushRef="#br0" timeOffset="46268">5956 9103 24575,'0'14'0,"2"2"0,2 15 0,0-4 0,1-2 0,-4-2 0,2-9 0,-1 3 0,0-9 0,0-3 0</inkml:trace>
+  <inkml:trace contextRef="#ctx0" brushRef="#br0" timeOffset="47800">6709 9031 24575,'-8'0'0,"-7"0"0,3 0 0,-5 0 0,5 0 0,0 0 0,0 0 0,0 0 0,0 0 0,0 0 0,1 0 0,-4 0 0,0 0 0,-1 0 0,-1 3 0,6 1 0,1 5 0,7 2 0,-2 12 0,5-6 0,-2 6 0,2-14 0,4 2 0,-2-6 0,4 3 0,-3-4 0,1-1 0,0 1 0,-1-4 0,10 1 0,13-4 0,-8 0 0,2 0 0,6 1 0,-1 0 0,10-4 0,-4 11 0,-14 1 0,-7 2 0,0-2 0,-4 2 0,-3-4 0,3 7 0,-1-3 0,-1 1 0,0 1 0,-3-1 0,-1 0 0,-7 3 0,1-5 0,-18 4 0,-2-5 0,0-2 0,-8-2 0,13-2 0,-4 0 0,7 0 0,6-2 0,4 2 0,3-2 0,4 2 0</inkml:trace>
+  <inkml:trace contextRef="#ctx0" brushRef="#br0" timeOffset="49267">7222 9043 9015,'-5'1'0,"-3"1"3276,-2 5-1434,-10 8 851,7-5-2693,-3 5 1607,4-3-1607,5-5 3276,-10 10-410,10-10-2866,-3 3 0,6-5 0,1-1 0,-3 7 0,1-3 0,0 11 0,0-5 0,5 4 0,-1-1 0,4-4 0,2 4 0,4 1 0,-5-5 0,12 9 0,-11-14 0,9 5 0,-3-1 0,-4-7 0,3 5 0,4-7 0,6 2 0,5-1 0,4-1 0,-8-1 0,-1-2 0,-7-2 0,0-3 0,-7 0 0,0-1 0,-2 1 0,-3-2 0,0 1 0,-1-3 0,0 1 0,0 2 0,0-1 0,-1 1 0,-2 0 0,-1-1 0,-2 1 0,-3 2 0,-6 3 0,2-2 0,-10 2 0,5 0 0,-7 1 0,9 0 0,-1 1 0,11 0 0,0 2 0,-2 0 0,4 0 0,-4 0 0,5 0 0,0-1 0,2-1 0</inkml:trace>
+  <inkml:trace contextRef="#ctx0" brushRef="#br0" timeOffset="52104">5253 9010 24575,'10'-10'0,"3"1"0,12-9 0,0 4 0,5-3 0,-11 12 0,0 3 0,5-2 0,8 4 0,-17 2 0,-5-1 0,3 7 0,-8-3 0,6 4 0,-7-5 0,1 4 0,-4-4 0,-1 9 0,-1-6 0,-4 8 0,-1-5 0,-2 1 0,2-4 0,0-2 0,11-3 0,1 0 0,5-1 0,-4 2 0,-1 1 0,-1 1 0,-2 1 0,1 4 0,-3-4 0,1 5 0,-2-2 0,0 3 0,0-1 0,0 7 0,0-7 0,-2 11 0,0-14 0,-2 7 0,-1-7 0,1-2 0,-3 2 0,0-5 0,-4 3 0,4-5 0,-4 3 0,-4-1 0,5-1 0,-7 1 0,7-3 0,1 0 0,-2 0 0,6 0 0,-3 0 0,5 0 0,-1 0 0,2 0 0,-2-1 0,1-1 0,0 1 0,2 0 0</inkml:trace>
+  <inkml:trace contextRef="#ctx0" brushRef="#br0" timeOffset="59633">15263 6035 24575,'3'-11'0,"1"0"0,1 0 0,0 2 0,0 2 0,0-1 0,-2 4 0,4-5 0,-3 6 0,2-4 0,-3 5 0,2-1 0,-1 2 0,1 0 0,2 0 0,-1 1 0,-1-1 0,-1 1 0,-1 0 0,6 1 0,7 8 0,2-1 0,0 0 0,13 9 0,-11-6 0,-1-2 0,0 0 0,4 2 0,-12-8 0,2 4 0,-8-6 0,-2 0 0,2-1 0,3 0 0,18 0 0,9-2 0,-11-1 0,2 0 0,-3 2 0,-1-1 0,-3-2 0,0 0 0,12 1 0,0-4 0,-11 1 0,10 0 0,-17 0 0,5 0 0,-6 1 0,-1 0 0,-1 1 0,0-1 0,3-1 0,-2-2 0,6-2 0,0-5 0,-4 6 0,-1-4 0,-8 9 0,-1 1 0,0 1 0,3 2 0,3 7 0,9 10 0,-5-1 0,3 1 0,-6-10 0,5-5 0,-3 0 0,6-2 0,-7 0 0,1 0 0,0 0 0,0-2 0,6-2 0,-5 0 0,16-2 0,-8 1 0,2 0 0,6 1 0,2 0 0,4-4 0,0 2 0,-2 2 0,-2 1 0,-5-3 0,-2 1 0,9 0 0,-14 0 0,-11 3 0,-1 6 0,-2-1 0,3 3 0,-2 3 0,0-3 0,1 2 0,-1-1 0,-1-3 0,-1 0 0,-3-3 0</inkml:trace>
+  <inkml:trace contextRef="#ctx0" brushRef="#br0" timeOffset="61233">16051 5716 24575,'-13'-29'0,"5"1"0,-1 6 0,-1-3 0,1-1 0,2 0 0,1-1 0,0-1-1035,-3-6 0,-2-1 0,1 0 1035,1 2 0,1 0 0,0 1 0,2 5 0,1 1 0,-1 3 0,-1-1 0,1 3 979,2-5-979,0 14 510,-1 2-510,2 2 0,-29 1 0,8 6 0,-5 1 0,-1 0-716,-3 0 0,-1 0 1,-2 0-1,-2 0 716,3 0 0,-1 0 0,-1 0 0,-1 0 0,-1 0-362,7 0 1,-1 0-1,0 0 1,0 0-1,-1 0 1,1 0-1,0 0 362,-5 0 0,2 0 0,-1 0 0,0 0 0,0 0 0,1 0 0,-2 0 0,0 0 0,0 0 0,1 0 0,0 0 0,1 0 0,3 0 0,0 0 0,1 0 0,1 0 0,0 0 0,2 0 0,-7 0 0,1 0 0,1 0 0,1 0 0,4 0 0,-1 0 0,2 0 0,1 0-665,-2 0 0,1 0 0,-1 0 665,0 0 0,-2 0 0,2 0 0,0 0 0,1 0 0,-1 0 0,-1 0 0,-1 0 0,1 0 0,0 0 0,0 0 0,-2 0 0,0 0 0,-2 0 0,-2 0 0,0 0 0,0 0 0,0 0 0,-2 0 0,-1 0 0,7 0 0,-1 0 0,-2 0 0,1 0 0,0 0 0,0 0 0,-3 0 0,-1 0 0,1 0 0,0 0 0,1 0 0,-1 0 0,0 0 0,0 0 0,1 0 0,1 0 0,4 0 0,1 1 0,0 0 0,0 0 0,1 0-271,-7 1 1,0 0 0,1 1 0,0-1 270,4 1 0,0-1 0,0 1 0,1 0 0,0 1 0,0 0 0,1 1 0,1-2 0,0 1 0,1-1 0,2 0 0,-7 1 0,2 0 0,-6 0 1537,9-4-1537,2 0 3276,10 0-3097,8 0 2497,3 1-2676,2 0 1878,1 17-1878,4-1 540,0 13-540,4-5 0,-4 6-670,3 2 670,-3-14 0,-1 0 0,2 13 0,-1-1 0,-3-11 0,0 0 0,0-11 0,0 1 0,0-6 670,0 1-670,-2 1 0,-1 3 0,-2-1 0,2-3 0,1-1 0,0-1 0,1 2 0,-2 2 0,-1 5 0,0-2 0,-1 3 0,4-9 0,-1 0 0</inkml:trace>
+  <inkml:trace contextRef="#ctx0" brushRef="#br0" timeOffset="61966">12098 5539 24575,'17'27'0,"-6"-11"0,1 2 0,1 2 0,1 2 0,2 2 0,0-1 0,-3-8 0,-1-1 0,8 11 0,-9-12 0,-6-8 0,-2-4 0,0 1 0,-1-2 0,2 0 0,20-11 0,-6-5 0,1-3 0,0 4 0,1-1 0,0-1 0,5-10 0,-2 1 0,-6 8 0,-1 2 0,0-3 0,-14 16 0,1-2 0</inkml:trace>
+  <inkml:trace contextRef="#ctx0" brushRef="#br0" timeOffset="70000">15319 7053 24575,'-3'21'0,"-1"0"0,3 0 0,1 1 0,-5 12 0,0 1 0,4-8 0,0-2 0,-2-3 0,1-1 0,-3 14 0,1-13 0,1 4 0,2-13 0,1-3 0,-2-5 0,2-3 0,-1-1 0</inkml:trace>
+  <inkml:trace contextRef="#ctx0" brushRef="#br0" timeOffset="70534">15340 7092 24575,'13'22'0,"-2"-6"0,-2 0 0,-6-1 0,6 0 0,2 2 0,1 8 0,-2-5 0,1 0 0,4 12 0,-4-3 0,-5-11 0,0-7 0,0 4 0,-1-6 0,0 0 0,-5-6 0,1 0 0,-1-2 0</inkml:trace>
+  <inkml:trace contextRef="#ctx0" brushRef="#br0" timeOffset="71034">15331 7367 24575,'4'-2'0,"4"1"0,-1-1 0,6-1 0,-4-1 0,-2 2 0,-5 1 0</inkml:trace>
+  <inkml:trace contextRef="#ctx0" brushRef="#br0" timeOffset="72283">15213 6995 24575,'3'-5'0,"2"3"0,4-1 0,2 2 0,2-2 0,1 3 0,3-1 0,-2 1 0,2 0 0,-4-1 0,-4 0 0,2-1 0,-3 1 0,-2 0 0,3 0 0,-4 1 0,0-1 0,0-1 0,-2 2 0,0-1 0,0 1 0,-1 0 0,1 0 0,0 0 0,0 0 0,-1-1 0,1 0 0,0 0 0,-2 1 0,0 0 0</inkml:trace>
+  <inkml:trace contextRef="#ctx0" brushRef="#br0" timeOffset="73117">15805 7159 24575,'14'0'0,"-6"0"0,9 0 0,-6 0 0,1-1 0,0 0 0,-5-1 0,0 1 0,-1 1 0,0-1 0,-2 0 0,-1 0 0,-2 1 0</inkml:trace>
+  <inkml:trace contextRef="#ctx0" brushRef="#br0" timeOffset="73918">15813 7303 24575,'21'2'0,"2"0"0,-8-2 0,-1 0 0,-6 0 0,-3 0 0,-1 0 0,0 0 0,0 0 0,-1 0 0,2 0 0,-2 0 0,3 0 0,-1 0 0,1 0 0,-2 0 0,0 0 0,-2 0 0,-1 0 0</inkml:trace>
+  <inkml:trace contextRef="#ctx0" brushRef="#br0" timeOffset="77283">16289 7018 8191,'-9'0'0,"-3"0"3276,6 0-1489,-1 0 1031,2 1-2818,2 0 1719,-2 2-1719,-1 1 3276,2-1 0,1 3-3044,5 0-232,1 5 0,1-5 0,2 6 0,-2-7 0,3 3 0,-2-3 0,3-1 0,-2-1 0,5 1 0,-2-1 0,6 1 0,-2 0 0,0-1 0,-2 2 0,-4-2 0,-1 2 0,-1 0 0,-1 2 0,-2 5 0,1-4 0,-2 6 0,2-6 0,-2 4 0,1 0 0,-1 0 0,1-3 0,1 3 0,-1-4 0,-1 4 0,-1-2 0,0 0 0,-4 0 0,1-2 0,-15-1 0,2-4 0,-6 0 0,5-3 0,-1 0 0,5 0 0,-5 0 0,9 0 0,1-2 0,4 2 0,0-2 0,-2-1 0,3 0 0,-2-1 0,3 0 0,1 2 0,1 0 0</inkml:trace>
+  <inkml:trace contextRef="#ctx0" brushRef="#br0" timeOffset="77884">16630 7128 24575,'6'0'0,"0"0"0,-2 0 0,2 0 0,-1 0 0,-1 0 0,4 0 0,-2 0 0,2 0 0,-2 0 0,-1 0 0,-2 0 0,3 1 0,-3-1 0,1 1 0,-3-1 0</inkml:trace>
+  <inkml:trace contextRef="#ctx0" brushRef="#br0" timeOffset="79233">16916 7030 24575,'1'20'0,"0"1"0,-2 2 0,0 0 0,-2 3 0,-2 0-917,1 3 0,-1-3 917,-5 8 0,6-15 0,1-1 0,-1 7 592,-1-6-592,-18-2 303,13-10-303,-15-2 0,24-2 0,10-15 939,-3 4-939,7-18 0,-5 7 0,0-12 0,1 5 0,-4 7 0,1 1 0,0-3 0,1-3 0,-2 10 0,0-4 0,1 0 0,-1-2 0,-1 5 0,-1 3 0,1 5 0,-1 2 0,0 3 0,-1 1 0,8 9 0,4 5 0,-2 2 0,1 1 0,1 0 0,-1 0 0,-1-1 0,-1 1 0,7 5 0,-8-9 0,-1-2 0,-1-3 0,0 5 0,-4-7 0,3 7 0,-4-9 0,1 3 0,-3-5 0</inkml:trace>
+  <inkml:trace contextRef="#ctx0" brushRef="#br0" timeOffset="79684">16946 7259 24575,'19'0'0,"0"0"0,10 0 0,-7 0 0,-12 0 0,-5-1 0,-4 1 0,1-2 0</inkml:trace>
+  <inkml:trace contextRef="#ctx0" brushRef="#br0" timeOffset="82903">11394 6625 24575,'5'0'0,"-1"0"0,1 0 0,-1 0 0,1 0 0,3 0 0,-4 0 0,13 0 0,-2 0 0,15 0 0,-5 0 0,-1-1 0,-2-1 0,-7-2 0,1 2 0,-2-1 0,-7 2 0,0-1 0,-2 2 0,0 0 0,0-1 0,0 1 0,1-3 0,-2 3 0,3-1 0,0 0 0,3-1 0,-1 1 0,-1-1 0,-2 2 0,3 0 0,-5 0 0,3 0 0,-2 0 0,-1 0 0,0 0 0,0 0 0,0 0 0,-1 0 0,2 2 0,-1-2 0,3 1 0,-1-1 0,0 0 0,0 0 0,-1 0 0,-1 0 0,1 0 0,-2 1 0,2 0 0,-2 1 0,1-2 0,-1 2 0,0-2 0,-1 0 0,1 0 0,0 0 0,1 0 0,0 0 0,2 0 0,1 0 0,-1 0 0,-1 0 0,-2 0 0,-2 0 0,0 0 0</inkml:trace>
+  <inkml:trace contextRef="#ctx0" brushRef="#br0" timeOffset="84816">12192 6663 24575,'22'-3'0,"0"0"0,8-4 0,-9 5 0,1 1 0,9-5 0,-5 5 0,5-6 0,-7 7 0,-6-3 0,-2 3 0,-6 0 0,3-1 0,6 0 0,3 1 0,5 0 0,2-1 0,-4 1 0,2 0 0,-1 0-770,8 0 0,-2 0 770,-3 0 0,-3 0 0,7 0-791,-2 0 791,-6 0 0,-6 0 0,-1 0 0,-1 0 0,-3 0 1476,14 0-1476,-11 0 855,9 0-855,-6 0 0,-2 0 0,5 0 0,-2 0 0,0 0 0,-3 0 0,-4 0 0,-2 0 0,-1 0 0,1 0 0,0 0 0,0 0 0,0 0 0,0 0 0,-1 0 0,3 0 0,3 0 0,1 0 0,11 0 0,-1 0 0,0 0 0,-2 0 0,-14 0 0,8 0 0,-10 0 0,14 0 0,-11 0 0,11 0 0,-11 0 0,5 0 0,-9 0 0,3 0 0,-5 0 0,4 0 0,2 0 0,-2 0 0,1 0 0,-4 0 0,-5 0 0,-2 0 0</inkml:trace>
+  <inkml:trace contextRef="#ctx0" brushRef="#br0" timeOffset="96716">5550 10057 24575,'7'-9'0,"-3"3"0,2-5 0,0-9 0,-2 2 0,1-2 0,1 1 0,1-2 0,1-4 0,0 2 0,3-3 0,-3 14 0,-6 14 0,5 21 0,-2 4 0,3-6 0,0 2 0,-1 10 0,-1 3 0,-2 0 0,1 2-364,0-9 0,0 2 0,-1-1 364,-2-2 0,-2 0 0,0-2 0,4 5 0,-1-3 0,-3-6 0,0-3 0,0-1 0,0-15 0,0-2 0</inkml:trace>
+  <inkml:trace contextRef="#ctx0" brushRef="#br0" timeOffset="97716">6073 10070 8526,'-2'-4'0,"1"-1"3276,1 2-1458,0-2 951,0 2-2769,8-10 1673,5 8-1673,14-7 3276,10 10-1658,-15 1 1,1 0-1619,12 7 0,-10-3 0,-8 11 0,-13-4 0,8 17 0,-10-12 0,0 14 0,-2-18 0,0 3 0,-3-6 0,-1-2 0,-2 1 0,-2-3 0,21 4 0,11 5 0,5 2 0,-6-3 0,1-1 0,1 2-1086,6 5 1,0 1 0,-2-1 1085,-6-3 0,-2-1 0,-3 0 0,0 3 0,-3-2 0,0 2 0,-13-7 0,-1-5 0,-1 4 0,0-1 0,-7 0 1628,-12-3 0,-4-1-1628,-5-1 0,-2-1 0,2 0 0,-3-1 0,0 0-248,-1-1 1,-1 0 0,2 0 247,3-1 0,2 0 0,0 0 0,-3 1 0,3-1 0,-4-3 0,25 3 0,3-2 0,-1 0 0,3 2 0,0-1 0</inkml:trace>
+  <inkml:trace contextRef="#ctx0" brushRef="#br0" timeOffset="98433">7326 10084 24575,'-8'-2'0,"-24"12"0,2 3-1639,2 1 1,-1 2 836,7-1 1,2 0 801,-5 5 0,0 1 0,2-1 0,1 1 0,0 3 0,1 2 611,4-2 1,2 2-612,5-4 0,1 3 0,2-2 0,0 5 0,4-1 424,5 6 0,5-3-424,7-11 0,5-5 0,6-3 0,5-4 0,2-2-354,3-1 1,2-3 0,-1-2 353,-1-2 0,0-1 0,-1-1 0,-7 1 0,-1 1 0,-5-3 0,5-14 2422,-21 10-2422,-5 3 219,-2-4-219,-1 5 0,-1-1 0,-11 1 1228,-7 5-1228,-4-2 0,-11 3 0,11 5 0,5-1 0,7 4 0,10-4 0,1-1 0,2-2 0</inkml:trace>
+</inkml:ink>
+</file>
+
+<file path=ppt/ink/ink2.xml><?xml version="1.0" encoding="utf-8"?>
+<inkml:ink xmlns:inkml="http://www.w3.org/2003/InkML">
+  <inkml:definitions>
+    <inkml:context xml:id="ctx0">
+      <inkml:inkSource xml:id="inkSrc0">
+        <inkml:traceFormat>
+          <inkml:channel name="X" type="integer" min="-2.14748E9" max="2.14748E9" units="cm"/>
+          <inkml:channel name="Y" type="integer" min="-2.14748E9" max="2.14748E9" units="cm"/>
+          <inkml:channel name="F" type="integer" max="32767" units="dev"/>
+        </inkml:traceFormat>
+        <inkml:channelProperties>
+          <inkml:channelProperty channel="X" name="resolution" value="1000" units="1/cm"/>
+          <inkml:channelProperty channel="Y" name="resolution" value="1000" units="1/cm"/>
+          <inkml:channelProperty channel="F" name="resolution" value="0" units="1/dev"/>
+        </inkml:channelProperties>
+      </inkml:inkSource>
+      <inkml:timestamp xml:id="ts0" timeString="2024-09-30T09:25:30.904"/>
+    </inkml:context>
+    <inkml:brush xml:id="br0">
+      <inkml:brushProperty name="width" value="0.05292" units="cm"/>
+      <inkml:brushProperty name="height" value="0.05292" units="cm"/>
+      <inkml:brushProperty name="color" value="#FF0000"/>
+    </inkml:brush>
+  </inkml:definitions>
+  <inkml:trace contextRef="#ctx0" brushRef="#br0">2829 4153 24575,'5'0'0,"-2"-1"0,7-2 0,0-2 0,13-6 0,-4 3 0,2-1 0,0-1 0,1-2 0,7-3 0,1 0 0,-10 5 0,-1 1 0,12-8 0,-14 10 0,-2 0 0,6-2 0,-1 0 0,-4 5 0,-8 1 0,-4 1 0,2 0 0,-1 0 0,3-3 0,3 1 0,6-5 0,8-3 0,4-3 0,-11 7 0,0 0 0,7-1 0,-4 1 0,-12 8 0,-4 0 0,2 4 0,20 9 0,1 4 0,1-4 0,3 1 0,-7-4 0,0 0 0,2 0-600,7 1 0,1 1 0,1-2 600,-8-4 0,-1 0 0,2-2 0,-1 1 0,2 0 0,1-1 0,0 1 0,-2-3-242,3-2 0,-2-1 0,1-1 242,1-1 0,0-1 0,-2-1 0,4 0 0,-3-1 0,-7-1 0,-3 0 0,8 0 0,-6 2 0,-12 1 0,9 0 0,-6-1 1730,-7 2-1730,10 0 796,-9-1-796,26 1 0,-19-4 0,15 1 0,-22-2 0,-6 5 0,5-2 0,-3 7 0,12 8 0,7 5 0,0 0 0,2 0-849,-1-4 0,0 0 849,4 3 0,3-1 0,-5-5 0,1-1 0,0-1-343,2 1 0,0-1 0,1 0 343,6 0 0,1 0 0,0-1 0,-2-1 0,0-1 0,-1-1 0,-5 0 0,-2 0 0,1-2 0,7-1 0,-1-1 0,-6 0 0,0-2 0,-2 0 0,-2-2 0,-4 0 0,-1 0 0,11-3 0,0-1 0,-15 6 0,20-7 0,-20 6 0,14-5 1604,-4 3-1604,-7 3 0,1-1 561,3-2 1,1 1-562,-1 2 0,0 1 0,-2-1 0,0 0 0,1 2 0,0 1 0,-1 0 0,1 0 0,5 0 0,-2-1 0,9 2 0,-4 0 0,-11 0 0,-8 0 0,7 0 0,-10 0 0,1 0 0,-4 0 0,1 0 0,-2 0 0,1 0 0,0 0 0,8 0 0,9 0 0,16 6 0,-4-1 0,-1 4 0,-17-2 0,-3-1 0,-7-2 0,4 2 0,-4-1 0,2 0 0,6 3 0,-6-3 0,10 5 0,-3 0 0,-4 0 0,6 1 0,-11-5 0,0-3 0,-4-2 0</inkml:trace>
+</inkml:ink>
+</file>
+
+<file path=ppt/ink/ink3.xml><?xml version="1.0" encoding="utf-8"?>
+<inkml:ink xmlns:inkml="http://www.w3.org/2003/InkML">
+  <inkml:definitions>
+    <inkml:context xml:id="ctx0">
+      <inkml:inkSource xml:id="inkSrc0">
+        <inkml:traceFormat>
+          <inkml:channel name="X" type="integer" min="-2.14748E9" max="2.14748E9" units="cm"/>
+          <inkml:channel name="Y" type="integer" min="-2.14748E9" max="2.14748E9" units="cm"/>
+          <inkml:channel name="F" type="integer" max="32767" units="dev"/>
+        </inkml:traceFormat>
+        <inkml:channelProperties>
+          <inkml:channelProperty channel="X" name="resolution" value="1000" units="1/cm"/>
+          <inkml:channelProperty channel="Y" name="resolution" value="1000" units="1/cm"/>
+          <inkml:channelProperty channel="F" name="resolution" value="0" units="1/dev"/>
+        </inkml:channelProperties>
+      </inkml:inkSource>
+      <inkml:timestamp xml:id="ts0" timeString="2024-09-30T09:26:20.353"/>
+    </inkml:context>
+    <inkml:brush xml:id="br0">
+      <inkml:brushProperty name="width" value="0.05292" units="cm"/>
+      <inkml:brushProperty name="height" value="0.05292" units="cm"/>
+      <inkml:brushProperty name="color" value="#FF0000"/>
+    </inkml:brush>
+  </inkml:definitions>
+  <inkml:trace contextRef="#ctx0" brushRef="#br0">13762 5434 24575,'5'0'0,"3"0"0,-1 0 0,10-3 0,-10 3 0,7-3 0,-8 2 0,4-1 0,2 1 0,3-2 0,4 1 0,-1-1 0,1 0 0,-3 0 0,-1 3 0,-7-1 0,6-1 0,-6 2 0,10-2 0,-4 2 0,3-2 0,-8 2 0,2-2 0,-2 2 0,5 0 0,4 0 0,3 0 0,3 0 0,2 0 0,-1 0 0,1 0 0,4 0 0,1 0 0,-5 0 0,-3 0 0,-11 0 0,-1 0 0,1 0 0,0 0 0,0 0 0,17 0 0,4 0 0,-3 0 0,2 0 0,0 0 0,1 0 0,-6 0 0,1 0 0,-1 0 0,4 0 0,-1 0 0,7 0 0,-2 0 0,0 0-571,-11 0 0,0 0 571,8 0 0,0 0-98,-1 0 98,0 0 0,-4 0 0,10 0-634,-5 0 634,-13 0 0,1 0 0,-2 0 0,2 0 0,7 0 0,1 0 0,-1 0 0,0 0 0,7 0 0,1 0 0,-3 0 0,0 0 549,-3 0 1,-1 0-550,-5 0 0,-2 0 100,9 0-100,-10 0 675,-13 0-675,4-1 0,-7 0 0,0 0 0,1 1 0,-2 0 0,2-1 0,-2 1 0,1-2 0,3 2 0,18 0 0,-1 0 0,2 0 0,-4 0 0,0 0-455,6 0 1,-2 0 454,-1 0-298,-6 0 298,-1 0 0,-6 0 0,-1 0 0,1 0 0,6 0 0,9 0 0,6 0 0,-1 0 0,3 0 0,3 0-537,-8 0 0,1 0 0,1 0 0,1 0 0,0 0 537,2 0 0,0 0 0,1 0 0,0 0 0,0 0 0,1 0 0,0 0 0,0 0 0,1 0 0,0 0 0,-3 0 0,0 0 0,0 0 0,0 0 0,1 0 0,0 0-469,-3 0 1,0 0 0,1 0 0,0 0 0,-1 0 0,0 0 0,0 0 126,2 0 1,0 0 0,-1 0 0,0 0 0,0 0 0,-1 0 341,5 0 0,0 0 0,-1 0 0,0 0 0,-3 0-514,-2 0 0,-1 0 1,-1 0-1,-1 0 514,5 0 0,-1 0 0,0 0 0,0 0 0,0 0 0,-2 0 0,-4 0 0,-1 0 0,-1 0 0,11 0 0,-1 0 0,-2 0 0,-1 0-378,-2 0 0,-1 0 378,0 0 0,-1 0 0,-5 0 0,0 0 912,4 0 1,1 0-913,1 0 0,0 0 0,4 0 0,-1 0 0,-2 0 0,-2 0 3276,8 0-2823,-18 0 1,-14 0 0,-3 0 0</inkml:trace>
+  <inkml:trace contextRef="#ctx0" brushRef="#br0" timeOffset="14567">7770 7265 24575,'7'-3'0,"0"1"0,3 2 0,-3 0 0,-2 0 0,-1 1 0,-2 0 0,0 2 0,-3 4 0,0-2 0,-4 3 0,-2-2 0,-10 8 0,-9-1 0,-1 1 0,-4 2 0,0 2 0,-1 1 0,8-5 0,-1 0 0,3 1 0,-3 4 0,3 0 0,-3 6 0,20-15 0,5-4 0,12 1 0,3-1 0,3 1 0,1 0 0,1-3 0,0 0-769,3 0 0,0 1 769,-4-2 0,0 0 0,6 0 0,-1 0 0,-11 0 0,2-2 0,-6 3 0,-14 5 769,-12 2 0,-4 1-769,-3 2 0,-1 2 0,-6 0 0,0 0-532,6 0 0,2-2 532,1 2 0,5-3 0,10-8 0,20 5 0,14 3 0,-2-5 0,5 1 0,3 0 0,-1 0-458,1 2 1,0 1 0,1-1-1,0 1 458,-4-4 0,2 1 0,-1 0 0,-1-1 0,-4-1 0,13 3 0,-8-1 0,-7 1 964,-28-10-964,-7 1 0,-8 5 0,-4-1 0,-2 2 0,-4 5 0,-2 2 0,7-4 0,-1 0 0,2 0 0,-6 4 0,3-1 1930,-5 5-1930,24-13 0,14 5 0,14 4 0,8 7 0,4-3 0,-8-3 0,-12-7 0,-37 6 0,0-6 0,-7-1 0,-2 0-669,1 2 0,-2 1 0,-1 0 0,-1-1 669,4 0 0,-1-1 0,0 0 0,1 0 0,1-1 0,0 2 0,1-1 0,2 0 0,2 0 0,-9 1 0,8 0 0,15 2 0,22-3 0,5 2 0,3-1 0,10 0 0,3 0-973,-5-2 1,1 1-1,0 0 973,1 1 0,1-1 0,-1 0 0,1-3 0,-1 0 0,-1 1 504,8 5 1,-3 0-505,-5-6 0,-3-1 0,8 6 0,-18-6 0,-31 6 0,-9-3 0,-5 1 0,6 0 0,-1 0 0,0 1 0,-10 2 0,3-1 1557,8-1 1,5 0-1558,12-1 1470,7 0-1470,7-2 0,11 10 0,14-6 0,-12 0 0,-1-2 0,11-2 0,-9 1 0,-15-6 0,-19 12 0,1 5 0,-5 5 0,7-4 0,36 9 0,4-16-818,-5 2 1,0-1 817,-4-8 0,-2-1 0,7 5 0,-18-2 0,-19 2 0,-8 2 0,-9 8 0,5-4 0,5 2 0,16 16 817,13-14 1,5 1-818,6 1 0,1-2 0,-4-2 0,-1-2 0,10 2 0,-22-7 0,-4 3 0,-1 12 0,0-7 0,0 3 0,3 9 0,2 2 0,2 4 0,2 1-194,0-10 0,2 0 1,1 0 193,1-1 0,2 0 0,0-3 0,1 0 0,-1-2 0,-1-5 0,-3-2 0,-7-2 0,-7-4 0,-6 7 0,1-5 0,-7 10 581,1-1-581,2 0 0,1 2 0,2-4 0,6-2 0,-3 2 0,4-5 0,1-3 0,1-5 0,-2 0 0</inkml:trace>
+</inkml:ink>
+</file>
+
+<file path=ppt/ink/ink4.xml><?xml version="1.0" encoding="utf-8"?>
+<inkml:ink xmlns:inkml="http://www.w3.org/2003/InkML">
+  <inkml:definitions>
+    <inkml:context xml:id="ctx0">
+      <inkml:inkSource xml:id="inkSrc0">
+        <inkml:traceFormat>
+          <inkml:channel name="X" type="integer" min="-2.14748E9" max="2.14748E9" units="cm"/>
+          <inkml:channel name="Y" type="integer" min="-2.14748E9" max="2.14748E9" units="cm"/>
+          <inkml:channel name="F" type="integer" max="32767" units="dev"/>
+        </inkml:traceFormat>
+        <inkml:channelProperties>
+          <inkml:channelProperty channel="X" name="resolution" value="1000" units="1/cm"/>
+          <inkml:channelProperty channel="Y" name="resolution" value="1000" units="1/cm"/>
+          <inkml:channelProperty channel="F" name="resolution" value="0" units="1/dev"/>
+        </inkml:channelProperties>
+      </inkml:inkSource>
+      <inkml:timestamp xml:id="ts0" timeString="2024-09-30T09:27:13.690"/>
+    </inkml:context>
+    <inkml:brush xml:id="br0">
+      <inkml:brushProperty name="width" value="0.05292" units="cm"/>
+      <inkml:brushProperty name="height" value="0.05292" units="cm"/>
+      <inkml:brushProperty name="color" value="#FF0000"/>
+    </inkml:brush>
+  </inkml:definitions>
+  <inkml:trace contextRef="#ctx0" brushRef="#br0">22738 5403 24575,'-7'22'0,"0"0"0,-2 4 0,1 1 0,0 6 0,1-1 0,-1-2 0,2-2 0,3-4 0,1-2 0,-1 5 0,5-9 0,-1-9 0,2-4 0,1-2 0,0 3 0,1-4 0,1 2 0,8 3 0,-4-3 0,13 2 0,-8-5 0,5-1 0,-8 0 0,-2-2 0,-6 0 0,0-2 0,-1 0 0,-2 2 0,1 0 0</inkml:trace>
+  <inkml:trace contextRef="#ctx0" brushRef="#br0" timeOffset="365">22810 5681 24575,'0'37'0,"0"1"0,-2 0 0,0-3 0,1-1 0,-1-8 0,0 1 0,2 8 0,0 2 0,0-17 0,0-13 0,1-4 0,0-1 0,0-1 0</inkml:trace>
+  <inkml:trace contextRef="#ctx0" brushRef="#br0" timeOffset="847">23220 5423 24575,'-10'26'0,"-1"-1"0,1-1 0,-1 1 0,-3 6 0,0 1-1639,1 0 1,-1 1 885,3-9 1,0 0-1,0 0 753,-1 1 0,1-1 0,-1 1 0,1-2 0,0 0 0,-1 2 157,-5 7 1,-2 1 0,1-1-158,3-6 0,2-1 0,-1 2 0,1-3 0,-1 2 0,1 1 0,1-2 0,0 1 0,2 0 0,1-2 0,-1 7 0,3-3 567,2-5 0,2-3-567,2 0 0,1-13 0,0-5 0,0 0 0</inkml:trace>
+  <inkml:trace contextRef="#ctx0" brushRef="#br0" timeOffset="1300">23122 5870 24575,'3'26'0,"-1"0"0,0 3 0,-1 2 0,1 5 0,-1 0 0,-1-9 0,-1-3 0,0 1 0,-1-17 0,2-4 0,0 0 0,0-1 0,0-2 0</inkml:trace>
+  <inkml:trace contextRef="#ctx0" brushRef="#br0" timeOffset="2464">23202 6008 24575,'3'-7'0,"2"1"0,0 0 0,0 0 0,0 2 0,1 1 0,-3 3 0,2 2 0,-2 2 0,-2 3 0,2-1 0,-1 7 0,1-1 0,-1 5 0,0 1 0,-4-1 0,1-6 0,-3-1 0,2-7 0,5 0 0,2-3 0,3-2 0,0 1 0,2 1 0,23 16 0,-16-8 0,1 2 0,-2 0 0,-11-5 0,3 1 0,-5-2 0,1 1 0,-1 4 0,-1-1 0,-1 3 0,-1 3 0,-2-4 0,-4 2 0,-2-5 0,-3-1 0,3-2 0,1-3 0,2 1 0,2-1 0,-1 0 0,1-1 0,2 0 0,-1 0 0</inkml:trace>
+  <inkml:trace contextRef="#ctx0" brushRef="#br0" timeOffset="6897">22220 7169 24575,'2'31'0,"0"-10"0,-1 2 0,3-6 0,-2-6 0,2 3 0,-1-8 0,1 3 0,3-1 0,-2 0 0,3-1 0,6-1 0,0-1 0,5 1 0,-9-4 0,-1 0 0,-5-2 0,0 0 0,0 0 0,-1 0 0,-1 0 0,-1 0 0</inkml:trace>
+  <inkml:trace contextRef="#ctx0" brushRef="#br0" timeOffset="7764">22240 7285 24575,'0'-6'0,"10"-11"0,9 7 0,5 0 0,-1-5 0,2 0 0,3 5 0,3 0 0,-3 2 0,-4-1 0,-2 2 0,1 0 0,-3 4 0,-3 11 0,-8 14 0,5 2 0,1 5 0,-10-1 0,-1 2-808,3-5 1,2 1 0,-3-1 807,-4 8 0,-3-1 0,3 0 0,0 1 0,-1-4 0,-2 1 0,-5 5 0,-1-1-122,5-10-1,-2 0 123,-6 2 0,-3 2 0,0-3 0,0-2 0,0-2 0,-2 4 0,-3-3 0,-3-11 0,1-4 0,-4-4 0,-9-5 2390,18 0-2390,5-2 277,12 2-277,14-1 0,1 3 0,4 0 0,6 0 0,3 0 0,1 0-278,0 2 1,2-1 0,-1 1 277,3-2 0,1 0 0,-2 1 0,-7 0 0,-2 1 0,-2-3-65,2-5 0,-4 0 65,1-2 0,-2-15 0,-14 4 0,-2-2 0,4-15 0,-4 16 0,-1 1 0,-3 2 0</inkml:trace>
+  <inkml:trace contextRef="#ctx0" brushRef="#br0" timeOffset="8184">23063 7193 24575,'-10'30'0,"6"-11"0,-1 2 0,-6 12 0,-1 4-1093,6-9 1,0 1 0,-1 0-1,-2 2 1,-1-1 0,-1 2 434,1 0 1,0 1-1,-2-1 832,0-2 1,-2 0-1,0 1-174,1 1 0,-1 1 0,1 1 0,-1-1 0,0-4 0,0-1 0,0 0 0,1 1 0,1-1 0,0 1 0,1 0 0,-1 0 0,1-3 452,-4 5 0,1-2 1,1-2-453,-1 4 0,4-3 0,-1 1 0,8-20 0,2-4 0</inkml:trace>
+  <inkml:trace contextRef="#ctx0" brushRef="#br0" timeOffset="8598">22920 7887 24575,'11'25'0,"1"-1"0,-1 0 0,-1 6 0,-3 2 0,0 3 0,-1-3 0,0 3 0,-1 1 0,-1-1-820,-1 0 1,-2 0 0,0-1 0,0-1 781,0 2 0,1-2 0,-1-2 38,-1 1 0,0-5 0,0-4 0,0-20 0</inkml:trace>
+  <inkml:trace contextRef="#ctx0" brushRef="#br0" timeOffset="9330">23103 8124 9771,'14'-8'0,"-3"1"3276,11 0-1446,-4 4 741,-4 2-2571,-2 2 1507,-5 0-1507,-2 2 3276,-3 0-932,-1-1-2344,-1 1 0,0 1 0,-1-1 0,-1 1 0,1 0 0,15 22 0,-1-9 0,1 2 0,0 1 0,0 2 0,0 1-214,3 2 1,0 0-1,0 1 214,-3-3 0,0 0 0,-1-1 0,3 11 0,-3-3 0,3 4 0,-15-12 0,-3-14 0,-2 0 0,0-4 0,-10 2 641,3-2-641,-4 0 0,2-3 0,6-1 0,-4 2 0,6-2 0,-1 1 0,-2-3 0,4 2 0,-1-2 0</inkml:trace>
+  <inkml:trace contextRef="#ctx0" brushRef="#br0" timeOffset="12363">18225 6777 24575,'11'4'0,"7"4"0,1 6 0,0-4 0,5 1-1093,-1 0 1,4 0 0,1 1 1065,2-2 1,2 1 0,2-1-1,1-1-629,-3-1 1,2 0-1,1-1 1,0-1 0,1 1 602,-3-2 1,0 1 0,2 0-1,-1-1 1,0-1 0,0 0 52,-1-1 0,1-1 0,-1-1 0,0 1 0,-1-1 0,0 0-30,4 1 0,-2-1 0,1 0 0,-2-1 0,0 1 30,4-1 0,-1 1 0,-2-2 0,1 1 0,-4-1 0,0 0 0,-1 0 0,-1 0 0,1-1 0,-2 1 0,1-1-592,5-1 1,0-1 0,-2 1 591,2-2 0,-1 1 0,-7 0 0,0 1 0,-1 0 0,8-2 0,-1 1 0,0-1 0,1 0-20,-4 1 0,0-1 20,0 1 0,0-1 0,-3-1 0,-1 0 1426,4 0 1,-1 0-1427,4-5 0,0-1 0,-5 5 0,1 0 0,0 0 259,2-1 1,0-1-1,1 2-259,5-1 0,1 1 0,-1 0 0,1 1 0,0 0 0,0 0 0,-2 2 0,0-1 0,-1 1 0,1-2 0,0 0 0,-3 1 0,6 0 0,-3 1 0,-6 0 0,-1 0 0,-6 0 0,-1 0 0,11 4 0,-13-2 0,0 0 0,3 2 0,1 0 1162,-3 0 1,-1 0-1163,4 0 0,-2 0 1718,4 0-1718,-2 4 22,-13 1-22,12 20 1242,-4-2-1242,-5-3 0,0-1 0,0 1 0,-2-2 0,6-19 0,5-4 0,7 3 0,4-1 0,-6 0 0,2 0 0,-1 0-457,-1 1 0,-1 0 0,-2 1 457,2 1 0,-2 0 0,7 0-555,-6 0 555,0 6 0,-6-3 0,-1 5 0,-7-5 0,3 2 1331,9 6-1331,-4-4 0,2 1 0,9 5 0,4 0-334,-6-4 0,2-1 1,1 0 333,-3-1 0,1 0 0,1-1 0,0 0-500,2-1 0,0 0 0,1 0 1,1-2 499,3 0 0,1 0 0,0-1 0,-2 0-820,-6-1 1,-2 0 0,1 0 0,-1 0 811,2-1 1,1 0 0,-1 0 0,-2 0 7,0 0 0,-3 0 0,1 0 0,2 0 0,0 0 0,0 0 0,0 0 0,0 0 0,0 0 0,1 0 0,-1 0 0,1 0 0,2 0 0,1 0 0,2 0-454,-1 0 1,2 0 0,1 0 0,-1 0 453,2 0 0,0 0 0,0 0 0,2 0 0,-4 0 0,2 0 0,0-1 0,0 1 0,-1 1 0,0-1 0,-1 1 0,0 0 0,0 0 0,0 0 0,-2 1 0,0 0 0,-1 0 0,1 0 0,-1 0 0,0 0 0,-1-1 0,1 0 0,-1 0 0,-1 1 35,4 0 1,-1 1 0,0 0 0,-2-3-36,7-3 0,-1-2 0,-3 0 0,2 0 0,-4-2 0,-8-2 0,-5-1 1410,-1-4-1410,-8 4 3242,-4 1-3242,-3-2 2552,-1-4-2552,-2-4 683,0-2 1,0-1-684,-2-12 0,0 12 0,0 1 0,-2-1 0,-1 9 0,2 8 0,2 3 0,-1 1 0</inkml:trace>
+</inkml:ink>
+</file>
+
+<file path=ppt/ink/ink5.xml><?xml version="1.0" encoding="utf-8"?>
+<inkml:ink xmlns:inkml="http://www.w3.org/2003/InkML">
+  <inkml:definitions>
+    <inkml:context xml:id="ctx0">
+      <inkml:inkSource xml:id="inkSrc0">
+        <inkml:traceFormat>
+          <inkml:channel name="X" type="integer" min="-2.14748E9" max="2.14748E9" units="cm"/>
+          <inkml:channel name="Y" type="integer" min="-2.14748E9" max="2.14748E9" units="cm"/>
+          <inkml:channel name="F" type="integer" max="32767" units="dev"/>
+        </inkml:traceFormat>
+        <inkml:channelProperties>
+          <inkml:channelProperty channel="X" name="resolution" value="1000" units="1/cm"/>
+          <inkml:channelProperty channel="Y" name="resolution" value="1000" units="1/cm"/>
+          <inkml:channelProperty channel="F" name="resolution" value="0" units="1/dev"/>
+        </inkml:channelProperties>
+      </inkml:inkSource>
+      <inkml:timestamp xml:id="ts0" timeString="2024-09-30T09:32:00.111"/>
+    </inkml:context>
+    <inkml:brush xml:id="br0">
+      <inkml:brushProperty name="width" value="0.05292" units="cm"/>
+      <inkml:brushProperty name="height" value="0.05292" units="cm"/>
+      <inkml:brushProperty name="color" value="#FF0000"/>
+    </inkml:brush>
+  </inkml:definitions>
+  <inkml:trace contextRef="#ctx0" brushRef="#br0">15197 7395 24575,'0'0'0</inkml:trace>
+  <inkml:trace contextRef="#ctx0" brushRef="#br0" timeOffset="17566">16113 6079 24575,'-10'-3'0,"-10"0"0,-7 3 0,-3 0 0,8 0 0,-1 0-1639,-11 0 1,1 0 1620,13 2 1,1 0 17,-13 1 96,13 3 0,1-1-96,-14 3 0,13-1 0,-1 1 366,-7 2 0,-1 2-366,4-2 0,0 2 0,-6 4 0,1 2 0,6-5 0,2 1 834,3 0 0,2 0-834,1-2 0,2 1 720,-6 10-720,9-6 0,1 1 0,1 3 0,2 2 0,1 0 0,0 0-1064,-1 8 0,2 0 1064,3-8 0,1 1 0,-2 4 0,0 1 0,1 0 0,2 0 0,-2 0 0,2 1 0,4 2 0,2 0 0,-1 1 0,3-1 0,2-8 0,2 0 0,1 0 0,6 5 0,1 1 0,3 0 0,-4-6 0,2 1 0,1-1 0,2-1 0,0-2 0,2 0 0,1-1 0,0-1 0,2-1-627,0-1 1,2-2-1,1-1 1,0-1-1,1-2 627,-3-1 0,0-2 0,1 0 0,0-2 0,1-1 0,-1-2 0,2-1 0,0-2 0,0-2 0,0 0 0,0-2 0,0 0 0,0 0 0,1-1 0,-1-1 0,0-1 0,0-1 0,-2 1-656,1-2 1,-2-1-1,0 0 1,-1 0 0,0-1 462,5-1 0,-1-2 0,-1 1 0,-3-2 193,-1-1 0,-2 0 0,-2-1-646,-3 2 0,-1 1 1,-1-2 645,0-1 0,-1 0 0,-1-2 51,5-9 1,-3 0-52,-3 6 0,-2-1 0,2-8 0,-3-1 0,-6 6 0,-2-2 0,0-1 0,-1-3 0,-2 0 0,-1-3 0,-2 0 0,-2-2 0,-3 4 0,-3-2 0,-1 0 0,0 1 0,2 3 0,-1 1 0,0 0 0,-2 1 0,-3 2 0,-3 0 0,0 1 0,2 2 961,-6-7 0,1 4-961,3 6 0,-1 5 0,-3 9 0,0 3 0,-17 1 0,3 3 0,11 0 0</inkml:trace>
+  <inkml:trace contextRef="#ctx0" brushRef="#br0" timeOffset="18553">15306 6736 24575,'-24'25'0,"0"0"0,-2 3 0,1-1 0,8-8 0,0 0-1639,-9 6 1,-3 0 545,9-9 1,-1-1 0,-1 1 409,-3 3 1,-1 0-1,-1 0 185,-3 0 1,-2 0 0,1 1 497,1-1 0,0 1 0,1-2 268,0-4 0,1 0 1,-2 0-269,-1-1 0,-2 2 0,-1-2 0,0-1 0,5-4 0,0-1 0,0-1 0,-1 0 0,-1 1-421,0-1 1,0 2-1,-1-1 1,0 0-1,-1-1 1,0-1 420,-2 0 0,-1-1 0,-1 0 0,0-1 0,0 0 0,0-1 0,3 0 0,0 0 0,0 0 0,-1-1 0,1 0 0,-1 1 0,-1-1-65,2 0 1,1-1-1,-2 1 1,1 0 0,-1-1-1,0 1 1,0-1 0,-1 0 64,3 0 0,0 1 0,-1-1 0,1 0 0,-1 0 0,0-1 0,0 1 0,0 0 0,0 0 0,-2 0 0,0 0 0,-1 0 0,0 0 0,1 0 0,0 0 0,0 0 0,2 0 0,1 0-208,-7 0 1,2 0 0,1 0 0,1 0 0,0 0 0,0 0 207,-1 0 0,-1 0 0,1 0 0,0 0 0,2 0 0,3 0 0,-2 0 0,3 0 0,1 0 0,-1 0-457,-1 0 0,-1 0 0,-1 0 0,1 0 457,-1 0 0,-1 0 0,1 0 0,0 0-28,1 0 1,0 0 0,0 0-1,1 0 28,2 0 0,0 0 0,0 0 0,1 0 139,-1 0 1,1 0 0,0 0 0,0 0-140,-4 0 0,1 0 0,-2 0 480,4 0 0,-2 0 0,0 0 1,0 0-481,1 0 0,-1 0 0,1 0 0,-2 0 0,4 0 0,-1 0 0,-1 0 0,1 0 0,0 0 0,-8 0 0,0 0 0,1 0 0,1 0 0,3 0 0,2 0 0,0 0 0,0 0 1051,-6 0 0,1 0 1,0 0-1052,3 0 0,1 0 0,3 0 0,1 1 0,1-2 0,-7-2 0,2-1 0,8-1 0,2-1 0,-1 0 0,-1-1 0,-5-1 0,2 0 0,-1-1 0,-8-3 3276,26 7-3164,-7 0 3164,11 2-2983,-2 0 1638,3 1-1931,-19 1 0,15 1 0,-13 0 0</inkml:trace>
+  <inkml:trace contextRef="#ctx0" brushRef="#br0" timeOffset="19419">8314 6866 24575,'31'0'0,"0"0"0,4 0 0,4 0 0,-4 0 0,2 0 0,1 0-820,-9 0 1,1 0 0,0 0 0,0 0-1,4 0 1,0 0 0,1 0 0,-1 0 255,-1 0 0,1 0 0,-1 0 0,0 0 564,0 0 0,0 0 0,0 0 0,-1 0 0,-2 0 0,-1 0 0,1 0 0,-1 0-251,6 0 1,0 0 0,-1 0 250,-3 0 0,-1 0 0,0 0 242,-2 0 1,0 1 0,1-1 0,-1-1-243,6 0 0,0 0 0,1-1 0,-3 1 0,1 0 0,2 0 0,-1-1 0,-1 0 0,1 0 0,-1-1 0,2 1-349,-5 1 0,1 0 0,1 0 0,-1 0 0,1 0 349,2 0 0,0 0 0,0 0 0,1 1 0,-1-1 0,2 1 0,0 0 0,0 0 0,-1 0 0,-1 0 0,-2 0 0,-1 0 0,-1 0 0,0 0 0,8 0 0,0 0 0,-5 0 0,-2 0 0,-3 0 0,5 0 0,-1 0 1061,1 0 0,-1 0-1061,1 0 0,-1 0 0,-3 0 0,1 0 0,2 0 0,-1 0 0,-4 0 0,-1 0 0,3 0 0,0 0 1287,-6 0 0,-1 0-1287,13 0 1109,-11-1-1109,-13 1 2744,1-2-2744,0 1 1786,6-1-1786,-3-1 0,-2 1 0,-8 1 0,-3 1 0</inkml:trace>
+  <inkml:trace contextRef="#ctx0" brushRef="#br0" timeOffset="101332">12451 5957 24575,'0'32'0,"0"1"0,0-5 0,0 1 0,0 2 0,0 1 0,0 2 0,0 1 0,0 1-656,0-6 1,0 1-1,0 0 1,0 1 0,0 0 135,0 3 1,0 0 0,0 1 0,0-1 0,0-1-301,0 3 1,0-1 0,0-1 0,0 1 376,-1-1 1,0 1 0,-1-1 0,1-2 442,1-1 0,0-2 0,-1-1 590,0-2 1,-1-1 0,1-1-591,0 1 0,1 0 0,1-2 0,-1 1 0,0-2 0,-1-2 0,2-4 0,0-5 0,29-10 0,-7 1 0,4 2 0,4 1 0,2 0-361,-3-2 1,2 0-1,2 0 1,2 0-1,1 0 1,2 1 360,-8-1 0,2 1 0,1 0 0,1 0 0,0 0 0,2 0 0,0 1 0,0-1 0,0 1 0,0-1 0,-3 0 0,0 0 0,0 0 0,1 0 0,0 0 0,0 0 0,0 1 0,1-1 0,-1-1 0,1 1 0,0-1 0,0 0 0,-1 0 0,0-1 0,0 0 0,1 0 0,-1 0 0,1-1 0,0 1 0,0-1 0,0 0 0,0 0 0,0 1 0,0-1 0,0 1-224,0-1 0,0 1 0,0 0 0,1 0 0,0 0 0,-1-1 0,1 1 0,-1 0 0,0-1 0,-1 0 0,0 0 1,-1 0-1,0-1 224,2 0 0,0 0 0,-1-1 0,-1 0 0,0 0 0,-1 0 0,1-1 0,-1 1 0,0-1 0,1 1-231,2 0 1,1 0 0,0 0-1,0 0 1,0 0 0,-2 0-1,1 0 1,-2 0 0,-1 0 230,6 0 0,-2 0 0,-1 0 0,-1 0 0,0 0 0,1 0-15,-2 0 0,1 0 0,-1 0 0,0 0 0,0 0 0,1 0 15,-1 0 0,1 0 0,0 0 0,0 0 0,-1 0 0,0 0 0,-1 0 0,-1 0 0,-1 0 0,1 0 0,0 0 0,0 0 0,-1 0 0,0 0 0,1 0 0,-1 0 0,1 0 0,2 0 77,0 0 0,2 0 0,0 0 0,1 0 1,0 0-1,0 0 0,0 0-77,-1 0 0,0 0 0,-1 0 0,1 0 0,0 0 0,0 0 0,1 0 0,-1 0 0,0 0 0,1 0 0,0 0 0,0 0 0,0 0 0,-2 0 0,0 0 0,1 0 0,-1 0 0,0 0 0,-1 0 0,-1 0 0,0 0 0,-1 0 348,5 0 1,0 0 0,-1 0 0,-2 0 0,-3 0-349,3 0 0,-4 0 0,-3 0 1580,2 2 1,-8-5-1581,-16-14 0,-2-6 0,-3 0 0,0-4 1429,0-2 1,0-1-1430,0 5 0,0-1 0,0-1 270,0-1 1,0 0 0,0-2-271,0-5 0,0-2 0,0 0 0,0 10 0,0 0 0,0-2 0,0-1 0,0 1 0,0-2 0,0-1 0,0 0 0,0-1 0,0 1 0,-1 0 0,1 0 0,0 1 0,-1-1 0,0-1 0,-1 0 0,-1 1 0,0 0 0,-1-2 0,0 1 0,-1-1 0,0 1 0,0 2 0,0-3 0,-1 2 0,0-1 0,-1 2 0,-1 0 0,-1 2 0,-2-3 0,-3 1 0,0 1 0,0 2 0,0 2 359,-2-7 0,0 4 0,-1 3-359,-3-3 0,-2 7 0,-4 12 0,-2 6 0,3 2 0,-3 1-992,-1 1 0,-4 0 0,0 0 992,-1 0 0,-1 0 0,0 0-547,4 0 0,0 0 0,0 0 0,-2 0 547,4 0 0,-1 0 0,0 0 0,0 0 0,-1 0-312,0 0 0,-1 0 1,1 0-1,-1 0 1,-1 0 311,3 0 0,-1 0 0,-1 0 0,0 0 0,0 0 0,1 0-414,-2 0 0,0 0 0,0 0 0,0 0 0,0 0 1,-1 0 413,-2 0 0,0 0 0,0 0 0,-1 0 0,-2 0 0,-1 0-79,8-1 0,-2 0 0,0 0 0,-1 0 0,-2 0 0,1 0 0,-1-1 0,0 1 0,1 0 0,0 0 79,-1 1 0,0-1 0,1 1 0,-1 0 0,1 0 0,-1 0 0,-1 0 0,0-1 0,0 1 0,-1 0-16,4-1 1,-1 0 0,0 0 0,-1 1 0,0-1-1,-1 0 1,1 0 0,-1 0 0,0 0 0,1 0 0,-1 0-1,1 0 1,1 1 15,0 0 0,1-1 0,0 1 0,0 0 0,0 0 0,0 0 0,0 0 0,0 1 0,0-1 0,1 0 0,-1 0 0,0 0 0,1 0 0,-2 0 0,0 0 0,0 0 0,-1 0 0,1 0 0,1 0 0,-1 0 0,0 0 0,1 0 0,-1 0 0,1 0 0,1 0 0,-2 0 0,0 0 0,0 0 0,1 0 0,0 0 0,0 0 0,0 0 0,0 0 0,1 0 0,0 0 0,0 0 0,-4 0 0,0 0 0,1 0 0,-1 0 0,1 0 0,1 0 0,0 0 0,1 0 0,2 0 0,-2 0 0,1 0 0,1 0 0,1 0 0,1 0 0,0 0 0,1 0 0,-6 0 0,0 1 0,1 0 0,3 0 0,1 1 319,-7 1 0,4 0 1,1 1-320,2-1 0,0 1 0,2 0 553,2 1 0,1 0 0,0-1-553,-7 1 0,2-1 1529,3 1 1,4-1-1530,-6 2 3276,10-1-1711,15-3 1532,-1 1-3097,0 0 0,2-2 0,1 0 0</inkml:trace>
+  <inkml:trace contextRef="#ctx0" brushRef="#br0" timeOffset="103466">12406 8226 8191,'-6'37'0,"-1"-1"0,3-8 0,1 1 0,0 2 819,2-2 0,1 2 0,1 1 0,-1 0-731,0-3 1,0 1 0,0-1 0,0 0-89,1 8 0,0 0 0,0-2 0,0-2 0,0-2 0,2 1 0,2 4 0,3 0 0,-1 0 0,-1-6 0,-1-1 0,1 1 279,1 2 0,1 0 1,-1-1-280,-1-5 0,-2 0 0,0-1 0,1 5 0,-1 0 1042,-1 0 1,0-3-1043,0-7 0,1-2 3276,0 8-1276,1-12-587,2-8-1413,15-4 0,10-3 0,-3 2 0,5-1 0,3 0 0,2-1-469,-9 1 1,3 0 0,1 0 0,2 0 0,-1 0 0,1 0 0,0 0 415,0 0 1,1 0 0,0 0 0,1 0-1,-1 0 1,1 0 0,0 0-358,-4 0 0,1 0 1,0 0-1,0 0 1,0 0-1,0 0 0,-1 0 1,-1 0 199,5 1 0,0 0 0,-1 0 0,-1 0 0,1 0 0,-1 0-296,1-1 0,-1 0 1,0 0-1,0 0 1,1 1-1,-1-1 506,1 1 0,0 0 0,1 0 0,-1 0 0,0 0 0,1-1-290,-5 1 0,1-1 0,0 0 1,0 0-1,-1-1 0,1 1 0,-1 0 290,0 0 0,-2 0 0,1 0 0,-1 0 0,1 0 0,2 0 0,0 0 0,0 0 0,1 0 0,1 0 0,1 0 0,1 0 0,0 0 0,-1 0 0,1 0 0,-2 0 0,0 0 0,0 0 0,-1 0 0,0 0 0,1 0 0,0 0 0,0 0 0,0 0 0,1 0 0,-3 0 0,1 0 0,0 0 0,0 0 0,1 0 0,0 0 0,0 0 0,0 0 0,-1 0 0,1 0 0,-1 0 0,3 0 0,-1 0 0,1 0 0,-1 0 0,0 0 0,1 0 0,-2 0 0,1 0 0,0 0 0,-1 0 14,2 0 1,-1 0 0,1 0-1,-1 0 1,-1 0 0,1 0-1,-1 0 1,0 0 0,0 0-15,2 0 0,-1 0 0,0 0 0,0 0 0,0 0 0,-1 0 0,-1 0 0,0 0 161,0 0 0,0 0 0,-1 0 0,0 0 1,-1 0-1,-1 0 0,-1 0-161,4 0 0,-1 0 0,-2 0 0,-1 0 0,-1 0 588,7 0 1,-3 0-1,-2 0-588,1 2 0,-3-1 3276,6 0-3024,-17 3 3024,-1-3-1774,-9 2 1280,-1-3-2782,-3 1 2271,-1-1-2271,2-5 0,1-24 0,0 0 0,-2-6 0,-2 9 0,-1-3 0,0-2 0,0 1-686,0-4 1,1-1-1,-1 0 1,-2-1 685,-2 2 0,-2-1 0,-1-1 0,0 1 0,-1 1 0,0 3 0,1 1 0,-1 0 0,-1 1 0,0 0-820,-3-5 1,0 0 0,-1 2 0,0 1 705,-4-4 0,-1 2 1,0 3 113,0-2 0,0 2-802,-4 2 0,-2 1 802,2 4 0,-1 1 0,-4-2 0,-1 1 0,6 5 0,-3 0-365,-7 0 1,-4-1 0,-1 3 364,8 5 0,-1 3 0,-1-1 0,-3 1 0,4 0 0,-2 0 0,-1 0 0,-2 1 0,0 0 0,0 1-296,1 1 0,0 1 1,-1 1-1,-1 1 1,0-1-1,0 1 0,-1 0 296,0 0 0,0 1 0,0-1 0,-1 1 0,0 0 0,-1 0 0,0 1 0,-1-1-150,4 1 1,1-1-1,-2 1 1,1 0-1,-1 0 1,0 0-1,-1 1 1,1-1-1,-1 0 1,0 0 149,1 0 0,0 0 0,-1 0 0,0 0 0,0 0 0,0 0 0,0 0 0,-1 0 0,1 0 0,-1 0 0,1 0-161,1 0 0,0 0 0,-1 0 0,0 0 1,0 0-1,0 0 0,0 0 0,1 0 1,-1 0-1,2 0 0,0 0 0,0 0 161,-4 0 0,0 0 0,1 0 0,1 0 0,-1 0 0,2 0 0,-1 0 0,0 0 0,0 0-176,1 0 0,-1 0 0,1 0 0,-1 0 0,1 0 0,0 0 0,2 0 0,0 0 0,3 0 176,-11 0 0,3 0 0,2 0 0,0 0 0,0 0-42,4 0 1,0 0 0,1 0 0,-1 0-1,1 0 1,0 0 41,-4 0 0,1 0 0,0 0 0,0 0 0,0 0 0,1 0 0,0 0 0,0 0 0,0 0 0,0 0 0,-1 0 0,0 0 0,0 0 0,0 0 0,1 0 0,2 0 0,0 0 0,1 0 0,-1 0 0,1 0 211,-1 0 0,0 0 0,0 0 1,0 0-1,-1 0-211,1 0 0,-1 0 0,0 0 0,0 0 0,-1 0 0,2 0 0,-5 0 0,0 0 0,1 0 0,-1 0 0,0 0 0,3 0 0,-2 0 0,1 0 0,-1 0 0,2 0 0,1 0 0,-6 0 0,1 0 0,2 0 0,1 0 582,3 0 1,2 0 0,0 0 0,4 0-583,-7 0 0,5 0 1638,5 0 0,3 0-1208,6 0 2846,7 0-1009,2 0-1477,1 0 0,2 0 0,0 0 0</inkml:trace>
+</inkml:ink>
+</file>
+
+<file path=ppt/ink/ink6.xml><?xml version="1.0" encoding="utf-8"?>
+<inkml:ink xmlns:inkml="http://www.w3.org/2003/InkML">
+  <inkml:definitions>
+    <inkml:context xml:id="ctx0">
+      <inkml:inkSource xml:id="inkSrc0">
+        <inkml:traceFormat>
+          <inkml:channel name="X" type="integer" min="-2.14748E9" max="2.14748E9" units="cm"/>
+          <inkml:channel name="Y" type="integer" min="-2.14748E9" max="2.14748E9" units="cm"/>
+          <inkml:channel name="F" type="integer" max="32767" units="dev"/>
+        </inkml:traceFormat>
+        <inkml:channelProperties>
+          <inkml:channelProperty channel="X" name="resolution" value="1000" units="1/cm"/>
+          <inkml:channelProperty channel="Y" name="resolution" value="1000" units="1/cm"/>
+          <inkml:channelProperty channel="F" name="resolution" value="0" units="1/dev"/>
+        </inkml:channelProperties>
+      </inkml:inkSource>
+      <inkml:timestamp xml:id="ts0" timeString="2024-09-30T09:33:34.277"/>
+    </inkml:context>
+    <inkml:brush xml:id="br0">
+      <inkml:brushProperty name="width" value="0.05292" units="cm"/>
+      <inkml:brushProperty name="height" value="0.05292" units="cm"/>
+      <inkml:brushProperty name="color" value="#FF0000"/>
+    </inkml:brush>
+  </inkml:definitions>
+  <inkml:trace contextRef="#ctx0" brushRef="#br0">12969 6125 24575,'0'29'0,"0"-11"0,0 3 0,0 7 0,0 1 0,0-5 0,0-2 0,0 3 0,0-2 0,0-4 0,0 0 0,0 9 0,0 1 0,0-8 0,0 0 0,0 4 0,0-2 0,0-4 0,0 5 0,0-5 0,0 17 0,0-14 0,0 1 0,0 8 0,0 1 0,-1-5 0,2-1 0,-1 0 0,1-3 0,0 1 0,2-5 0,-2-7 0,1-1 0,-1-3 0,-1-4 0,1 1 0,-1-1 0,2 0 0,-2 1 0,1 0 0,-1 0 0,2 0 0,0-1 0,1 0 0,-1-1 0,5 1 0,9 8 0,-6-6 0,21 11 0,-13-11 0,13 7 0,-6-6 0,0 5 0,12-3 0,-16-4 0,2 0 0,6-1 0,0 0 0,2 0 0,1-1 0,-7-1 0,0-1 0,1 0-1043,10 1 1,0-1 1042,-3-1 0,-1 0 0,-1 0 0,0 0 0,0 0 0,0 0 0,-6 0 0,0 0-549,6 0 0,0 0 549,-11 0 0,-2 0-34,14 0 34,-1 0 0,-6 0 0,0 0 0,1 0 1957,-1 0-1957,0 0 1220,0 0-1220,-3 0 0,4 0 0,5 0 0,3 0-666,-3 0 0,2 0 1,0 0 665,-4 0 0,0 0 0,0 0 0,1 0 0,2 0 0,1 0 0,0 0 0,-2 0 0,5 0 0,-3 0 0,1 0 0,-1 0 0,1 0 0,-2 0 0,-1 0 0,-2 0 0,-1 0 0,2 0 0,-1 0 0,8 0 0,-1 0-127,-16 0 0,-2 0 127,15 0 0,-2 0 0,0 0 0,-5 0 0,5 3 0,0 1-517,-12 0 1,0 0 516,3-2 0,2 0-300,9 4 1,3-1 299,-8-4 0,3-1 0,0 1 0,5 1 0,2 1 0,0-1 92,-7-1 1,0-2 0,0 1-1,0 0-92,-1 0 0,0 0 0,-1 0 0,-2 0-553,1 0 0,-1 0 0,-2 0 553,13 0 0,-3 0 0,-6 0 0,-1 0-111,2 0 1,0 0 110,-3 0 0,-2 0 203,-3 0 0,-2 0-203,5 0 0,0 0 0,0 3 1332,1-3-1332,-1 6 0,6-2 2084,-11 0-2084,1-2 0,-1-1 1430,1-1-1430,12 0 0,-18-1 181,-6-1-181,-3-7 0,-2 4 0,-1-9 0,-1-6 0,-2-12 0,0 5 0,0-2 0,0 5 0,0 0-990,0-4 0,0 1 990,0 4 0,0 1 0,0 2 0,0 1-406,0-3 0,0-1 406,0 1 0,0 0 0,0-3 0,0-2 0,0-7 0,0-2 0,0 9 0,0-2 0,0 0 0,0-1 0,0 0 0,0-1 0,0 1 0,0 0 0,0 0 0,0 0 0,0 0 0,0 1 0,0-2 0,0 1 0,0 2 0,0 1 0,0 2 0,0 2 0,0 2 0,0 1 0,0-1 0,0 1 1893,0-6-1893,-2 16 899,1 7-899,-14 0 0,-19 2 0,6 1 0,-5 0-820,3 0 1,-3 0 0,-2 0 0,1 0 145,3 0 0,2 0 0,-1 0 1,-2 0 673,0 0 0,0 0 0,-2 0 0,0 0 0,0 0 0,-3 0 0,0 0 0,-1 0 0,2 0 0,0 0 0,1 0 0,1 0 0,0 0 0,-1 0 0,2 0 0,-3 0 0,1 0 0,1 0 0,2 0 0,-5 0 0,2 0 0,2 0 0,4 0 0,1 0 0,0 0-164,2 0 0,1 0 0,-1 0 164,-2 0 0,-2 0 0,0 0 0,-2 0 0,-1 0 0,-1 0-229,5 0 0,0 0 1,-1 0-1,0 0 229,1 0 0,0 0 0,0 0 0,0 0 0,0 0 0,0 0 0,0 0 0,1 0 0,-10 0 0,1 0 0,1 0-544,8 0 0,1 0 0,0 0 544,0 0 0,1 0 0,0 0 0,-6 0 0,1 0 0,1 0 0,-1 0 0,-4 0 0,0 0 1578,6 0 0,1 0-1578,3 0 0,-1 0 0,-3 0 0,0 0 0,3 0 0,-1 0 0,-2 0 0,1 0-178,5 0 0,0 0 178,-2 0 0,0 0 0,2 0 0,0 0 365,-10 0 0,-3 0-365,1 0 0,-3 0 0,7 0 0,-1 0 0,-1 0 0,1 0 0,-1 0 0,1 0 0,5 0 0,0 0 0,1 0 585,-6 0 1,2 0-586,8 0 0,2 0 866,-2 0 0,0 0-866,-4 0 0,0 0 0,-3 0 0,-1 0 27,1 0 0,1 0-27,5 0 0,1 0 0,2 0 0,1 0 318,-12 0-318,12 0 1088,4 0-1088,8 0 0,4 2 0,4 1 1118,0 3-1118,4 4 0,2 6 0,-3-1 0,8 11 0,-7 0 0,3-6 0,-3 0 0,-5-14 0,1-2 0,0 0 0,0-3 0,0 0 0</inkml:trace>
+</inkml:ink>
+</file>
+
+<file path=ppt/ink/ink7.xml><?xml version="1.0" encoding="utf-8"?>
+<inkml:ink xmlns:inkml="http://www.w3.org/2003/InkML">
+  <inkml:definitions>
+    <inkml:context xml:id="ctx0">
+      <inkml:inkSource xml:id="inkSrc0">
+        <inkml:traceFormat>
+          <inkml:channel name="X" type="integer" min="-2.14748E9" max="2.14748E9" units="cm"/>
+          <inkml:channel name="Y" type="integer" min="-2.14748E9" max="2.14748E9" units="cm"/>
+          <inkml:channel name="F" type="integer" max="32767" units="dev"/>
+        </inkml:traceFormat>
+        <inkml:channelProperties>
+          <inkml:channelProperty channel="X" name="resolution" value="1000" units="1/cm"/>
+          <inkml:channelProperty channel="Y" name="resolution" value="1000" units="1/cm"/>
+          <inkml:channelProperty channel="F" name="resolution" value="0" units="1/dev"/>
+        </inkml:channelProperties>
+      </inkml:inkSource>
+      <inkml:timestamp xml:id="ts0" timeString="2024-09-30T09:34:31.311"/>
+    </inkml:context>
+    <inkml:brush xml:id="br0">
+      <inkml:brushProperty name="width" value="0.05292" units="cm"/>
+      <inkml:brushProperty name="height" value="0.05292" units="cm"/>
+      <inkml:brushProperty name="color" value="#FF0000"/>
+    </inkml:brush>
+  </inkml:definitions>
+  <inkml:trace contextRef="#ctx0" brushRef="#br0">7982 2732 24575,'3'7'0,"1"1"0,-3 1 0,2 13 0,1 7 0,-2 4 0,2-9 0,0-1 0,-3 5 0,7 8 0,-2 0 0,6-3 0,-5-12 0,0-2 0,7 9 0,-3-8 0,-2-5 0,-2-6 0,3 1 0,7-3 0,3 2 0,2-3 0,1 0 0,-3 1 0,0 0-985,11 0 1,1-2 984,-4 2 0,3-1 0,-6-1 0,3 0 0,1-1 0,0 1 0,3-1 0,1 0 0,1 0 0,2 0-528,-6 1 0,0 0 1,2 0-1,1 0 1,-1 0-1,1 0 528,0-1 0,1 0 0,-1 0 0,1-1 0,1 1 0,-1-1-547,2 0 1,1 0 0,0 0 0,0-1 0,0 1 0,0-1 482,-2 0 0,1 0 1,-1 0-1,0-1 1,0 1-1,1-1 64,1-1 0,-1 0 0,1 0 0,0 0 0,0 0 0,0 0-371,-1 0 0,0 0 1,0 0-1,0 0 1,0 0-1,-1 0 371,-1 0 0,-1 0 0,1 0 0,-1 0 0,0 0 0,-1 0-338,2 0 1,0 0 0,-1 0-1,0 0 1,-2 0 337,3 0 0,-2 0 0,0 0 0,-2 0 0,2 0 0,-1-1 0,1 2-131,-2 0 0,0 0 0,1 0 1,-1 0 130,3 0 0,0-1 0,1 0 334,-4 1 1,1 0-1,1 0 1,1 1-335,2 0 0,0 0 0,2 0 0,-1 1 0,-4 0 0,0 0 0,0 0 0,1 1 0,1-1-10,0 1 1,2 1-1,0-1 1,1 1-1,0 0 1,-1-1 9,0 1 0,-1 0 0,0-1 0,0 1 0,0-1 0,0 0 0,0-1 0,1 0 0,0 0 0,0 0 0,-1-1 0,0 0 0,0 1 0,-2 0 0,1-1 0,0 1 0,0-1 0,0-1 0,0 0 0,1-1 0,0 0 0,-1 0 0,1 0 0,1 0 0,-4 1 0,0-1 0,0 1 0,0 0 0,1 0 0,-1-1 0,2 1-122,1-1 1,2 0 0,0 0-1,0 0 1,0 0 0,-1 0-1,-1 0 122,1 0 0,-1 0 0,0 0 0,-1 0 0,0 0 0,1 0 0,0 0 0,1 0 0,0 0 0,-1 0 0,-1 0 0,-2 0 0,4 0 0,-3 0 0,0 0 0,2 0-173,-5 0 0,1 0 0,1 0 0,1 0 1,-1 0-1,-1 0 173,3 0 0,0 0 0,-1 0 0,1 0 0,0 0-103,-1 0 1,0 0 0,0 0-1,1 0 1,0 0 0,0 0 102,-1 0 0,0 0 0,0-1 0,1 1 0,-1 0 0,1 0 0,-2 1 0,4-1 0,0 1 0,-1 0 0,0 0 0,1 0 0,1 0-28,-5-1 0,1 0 0,1 0 0,0 0 0,0 0 0,0 0 0,0 1 0,-1-1 28,0 0 0,1 1 0,-1 0 0,-1 0 0,1 0 0,-1-1 0,0 1 0,5-1 0,-1 0 0,0 0 0,-1 0 0,0 0 0,0 0 0,3 0 0,-1 0 0,-1 0 0,0 0 0,1 0 331,-1 0 1,1 0 0,0 0 0,-1 0-1,-1 0-331,-3-1 0,0 1 0,0-1 0,-1 0 0,0 0 0,4-2 0,1 0 0,-2 0 0,-2 0 0,0 0 0,-1 0 0,-2-2 0,3-3 0,-3-1 3276,2 1-3065,-13 1 1,0 0-212,4 2 0,-2-3 0,1 0 2471,5 4-2471,-6-1 0,3-1 0,4 2 0,2 1 0,0 0 0,3 0 0,1 0 576,-5 2 1,0 0 0,1 0-1,0 0-576,4 0 0,2-1 0,0 1 0,-1 0 0,-2 1 0,-1 0 0,0 1 0,-1-2 867,5 1 0,-1-1 0,0-1-867,-1-1 0,-1 0 0,-4-1 0,-4 1 0,-2-1 0,3-1 0,-6-1 0,-15 3 0,3 0 0,-4 0 1937,-1-1-1937,2-5 0,3-18 0,-4 5 0,0-3 0,0 1 0,-1-2 0,0-1-228,-1-3 1,0-1 0,0 1 227,-1 0 0,0 2 0,0 0 0,0-9 0,0 5 0,0-3 0,0 15 0,0 16 0,0 0 0,0 3 0,0-1 0</inkml:trace>
+</inkml:ink>
 </file>
 
 <file path=ppt/slideLayouts/slideLayout1.xml><?xml version="1.0" encoding="utf-8"?>
@@ -211,7 +453,7 @@
           <a:p>
             <a:fld id="{1D8BD707-D9CF-40AE-B4C6-C98DA3205C09}" type="datetimeFigureOut">
               <a:rPr lang="en-US"/>
-              <a:t>9/22/24</a:t>
+              <a:t>9/29/24</a:t>
             </a:fld>
             <a:endParaRPr lang="en-US"/>
           </a:p>
@@ -388,7 +630,7 @@
           <a:p>
             <a:fld id="{1D8BD707-D9CF-40AE-B4C6-C98DA3205C09}" type="datetimeFigureOut">
               <a:rPr lang="en-US"/>
-              <a:t>9/22/24</a:t>
+              <a:t>9/29/24</a:t>
             </a:fld>
             <a:endParaRPr lang="en-US"/>
           </a:p>
@@ -602,7 +844,7 @@
           <a:p>
             <a:fld id="{1D8BD707-D9CF-40AE-B4C6-C98DA3205C09}" type="datetimeFigureOut">
               <a:rPr lang="en-US"/>
-              <a:t>9/22/24</a:t>
+              <a:t>9/29/24</a:t>
             </a:fld>
             <a:endParaRPr lang="en-US"/>
           </a:p>
@@ -750,7 +992,7 @@
           <a:p>
             <a:fld id="{1D8BD707-D9CF-40AE-B4C6-C98DA3205C09}" type="datetimeFigureOut">
               <a:rPr lang="en-US"/>
-              <a:t>9/22/24</a:t>
+              <a:t>9/29/24</a:t>
             </a:fld>
             <a:endParaRPr lang="en-US"/>
           </a:p>
@@ -869,7 +1111,7 @@
           <a:p>
             <a:fld id="{1D8BD707-D9CF-40AE-B4C6-C98DA3205C09}" type="datetimeFigureOut">
               <a:rPr lang="en-US"/>
-              <a:t>9/22/24</a:t>
+              <a:t>9/29/24</a:t>
             </a:fld>
             <a:endParaRPr lang="en-US"/>
           </a:p>
@@ -1116,7 +1358,7 @@
           <a:p>
             <a:fld id="{1D8BD707-D9CF-40AE-B4C6-C98DA3205C09}" type="datetimeFigureOut">
               <a:rPr lang="en-US"/>
-              <a:t>9/22/24</a:t>
+              <a:t>9/29/24</a:t>
             </a:fld>
             <a:endParaRPr lang="en-US"/>
           </a:p>
@@ -4710,6 +4952,57 @@
           </p:spPr>
         </p:pic>
       </p:grpSp>
+      <mc:AlternateContent xmlns:mc="http://schemas.openxmlformats.org/markup-compatibility/2006">
+        <mc:Choice xmlns:p14="http://schemas.microsoft.com/office/powerpoint/2010/main" Requires="p14">
+          <p:contentPart p14:bwMode="auto" r:id="rId5">
+            <p14:nvContentPartPr>
+              <p14:cNvPr id="9" name="Ink 8">
+                <a:extLst>
+                  <a:ext uri="{FF2B5EF4-FFF2-40B4-BE49-F238E27FC236}">
+                    <a16:creationId xmlns:a16="http://schemas.microsoft.com/office/drawing/2014/main" id="{C04B918D-4B38-C277-D5B5-A515AB1BFE0A}"/>
+                  </a:ext>
+                </a:extLst>
+              </p14:cNvPr>
+              <p14:cNvContentPartPr/>
+              <p14:nvPr/>
+            </p14:nvContentPartPr>
+            <p14:xfrm>
+              <a:off x="1018440" y="1405800"/>
+              <a:ext cx="1222560" cy="89640"/>
+            </p14:xfrm>
+          </p:contentPart>
+        </mc:Choice>
+        <mc:Fallback>
+          <p:pic>
+            <p:nvPicPr>
+              <p:cNvPr id="9" name="Ink 8">
+                <a:extLst>
+                  <a:ext uri="{FF2B5EF4-FFF2-40B4-BE49-F238E27FC236}">
+                    <a16:creationId xmlns:a16="http://schemas.microsoft.com/office/drawing/2014/main" id="{C04B918D-4B38-C277-D5B5-A515AB1BFE0A}"/>
+                  </a:ext>
+                </a:extLst>
+              </p:cNvPr>
+              <p:cNvPicPr/>
+              <p:nvPr/>
+            </p:nvPicPr>
+            <p:blipFill>
+              <a:blip r:embed="rId6"/>
+              <a:stretch>
+                <a:fillRect/>
+              </a:stretch>
+            </p:blipFill>
+            <p:spPr>
+              <a:xfrm>
+                <a:off x="1009080" y="1396440"/>
+                <a:ext cx="1241280" cy="108360"/>
+              </a:xfrm>
+              <a:prstGeom prst="rect">
+                <a:avLst/>
+              </a:prstGeom>
+            </p:spPr>
+          </p:pic>
+        </mc:Fallback>
+      </mc:AlternateContent>
     </p:spTree>
   </p:cSld>
   <p:clrMapOvr>
@@ -5601,6 +5894,57 @@
           </a:p>
         </p:txBody>
       </p:sp>
+      <mc:AlternateContent xmlns:mc="http://schemas.openxmlformats.org/markup-compatibility/2006">
+        <mc:Choice xmlns:p14="http://schemas.microsoft.com/office/powerpoint/2010/main" Requires="p14">
+          <p:contentPart p14:bwMode="auto" r:id="rId4">
+            <p14:nvContentPartPr>
+              <p14:cNvPr id="7" name="Ink 6">
+                <a:extLst>
+                  <a:ext uri="{FF2B5EF4-FFF2-40B4-BE49-F238E27FC236}">
+                    <a16:creationId xmlns:a16="http://schemas.microsoft.com/office/drawing/2014/main" id="{C80CD71E-08DF-4E4A-3CF3-5F1902288F30}"/>
+                  </a:ext>
+                </a:extLst>
+              </p14:cNvPr>
+              <p14:cNvContentPartPr/>
+              <p14:nvPr/>
+            </p14:nvContentPartPr>
+            <p14:xfrm>
+              <a:off x="2618280" y="1942200"/>
+              <a:ext cx="4011120" cy="1537200"/>
+            </p14:xfrm>
+          </p:contentPart>
+        </mc:Choice>
+        <mc:Fallback>
+          <p:pic>
+            <p:nvPicPr>
+              <p:cNvPr id="7" name="Ink 6">
+                <a:extLst>
+                  <a:ext uri="{FF2B5EF4-FFF2-40B4-BE49-F238E27FC236}">
+                    <a16:creationId xmlns:a16="http://schemas.microsoft.com/office/drawing/2014/main" id="{C80CD71E-08DF-4E4A-3CF3-5F1902288F30}"/>
+                  </a:ext>
+                </a:extLst>
+              </p:cNvPr>
+              <p:cNvPicPr/>
+              <p:nvPr/>
+            </p:nvPicPr>
+            <p:blipFill>
+              <a:blip r:embed="rId5"/>
+              <a:stretch>
+                <a:fillRect/>
+              </a:stretch>
+            </p:blipFill>
+            <p:spPr>
+              <a:xfrm>
+                <a:off x="2608920" y="1932840"/>
+                <a:ext cx="4029840" cy="1555920"/>
+              </a:xfrm>
+              <a:prstGeom prst="rect">
+                <a:avLst/>
+              </a:prstGeom>
+            </p:spPr>
+          </p:pic>
+        </mc:Fallback>
+      </mc:AlternateContent>
     </p:spTree>
   </p:cSld>
   <p:clrMapOvr>
@@ -6421,6 +6765,57 @@
           </a:p>
         </p:txBody>
       </p:sp>
+      <mc:AlternateContent xmlns:mc="http://schemas.openxmlformats.org/markup-compatibility/2006">
+        <mc:Choice xmlns:p14="http://schemas.microsoft.com/office/powerpoint/2010/main" Requires="p14">
+          <p:contentPart p14:bwMode="auto" r:id="rId5">
+            <p14:nvContentPartPr>
+              <p14:cNvPr id="13" name="Ink 12">
+                <a:extLst>
+                  <a:ext uri="{FF2B5EF4-FFF2-40B4-BE49-F238E27FC236}">
+                    <a16:creationId xmlns:a16="http://schemas.microsoft.com/office/drawing/2014/main" id="{CD33E549-396C-0B95-34FF-7833018A21F4}"/>
+                  </a:ext>
+                </a:extLst>
+              </p14:cNvPr>
+              <p14:cNvContentPartPr/>
+              <p14:nvPr/>
+            </p14:nvContentPartPr>
+            <p14:xfrm>
+              <a:off x="6561000" y="1945080"/>
+              <a:ext cx="2254680" cy="1134720"/>
+            </p14:xfrm>
+          </p:contentPart>
+        </mc:Choice>
+        <mc:Fallback>
+          <p:pic>
+            <p:nvPicPr>
+              <p:cNvPr id="13" name="Ink 12">
+                <a:extLst>
+                  <a:ext uri="{FF2B5EF4-FFF2-40B4-BE49-F238E27FC236}">
+                    <a16:creationId xmlns:a16="http://schemas.microsoft.com/office/drawing/2014/main" id="{CD33E549-396C-0B95-34FF-7833018A21F4}"/>
+                  </a:ext>
+                </a:extLst>
+              </p:cNvPr>
+              <p:cNvPicPr/>
+              <p:nvPr/>
+            </p:nvPicPr>
+            <p:blipFill>
+              <a:blip r:embed="rId6"/>
+              <a:stretch>
+                <a:fillRect/>
+              </a:stretch>
+            </p:blipFill>
+            <p:spPr>
+              <a:xfrm>
+                <a:off x="6551640" y="1935720"/>
+                <a:ext cx="2273400" cy="1153440"/>
+              </a:xfrm>
+              <a:prstGeom prst="rect">
+                <a:avLst/>
+              </a:prstGeom>
+            </p:spPr>
+          </p:pic>
+        </mc:Fallback>
+      </mc:AlternateContent>
     </p:spTree>
   </p:cSld>
   <p:clrMapOvr>
@@ -7120,6 +7515,57 @@
           </a:p>
         </p:txBody>
       </p:sp>
+      <mc:AlternateContent xmlns:mc="http://schemas.openxmlformats.org/markup-compatibility/2006">
+        <mc:Choice xmlns:p14="http://schemas.microsoft.com/office/powerpoint/2010/main" Requires="p14">
+          <p:contentPart p14:bwMode="auto" r:id="rId5">
+            <p14:nvContentPartPr>
+              <p14:cNvPr id="8" name="Ink 7">
+                <a:extLst>
+                  <a:ext uri="{FF2B5EF4-FFF2-40B4-BE49-F238E27FC236}">
+                    <a16:creationId xmlns:a16="http://schemas.microsoft.com/office/drawing/2014/main" id="{5128D836-3A28-39B1-4A0D-1F7C21B46B6A}"/>
+                  </a:ext>
+                </a:extLst>
+              </p14:cNvPr>
+              <p14:cNvContentPartPr/>
+              <p14:nvPr/>
+            </p14:nvContentPartPr>
+            <p14:xfrm>
+              <a:off x="2993040" y="2073960"/>
+              <a:ext cx="3319200" cy="1320840"/>
+            </p14:xfrm>
+          </p:contentPart>
+        </mc:Choice>
+        <mc:Fallback>
+          <p:pic>
+            <p:nvPicPr>
+              <p:cNvPr id="8" name="Ink 7">
+                <a:extLst>
+                  <a:ext uri="{FF2B5EF4-FFF2-40B4-BE49-F238E27FC236}">
+                    <a16:creationId xmlns:a16="http://schemas.microsoft.com/office/drawing/2014/main" id="{5128D836-3A28-39B1-4A0D-1F7C21B46B6A}"/>
+                  </a:ext>
+                </a:extLst>
+              </p:cNvPr>
+              <p:cNvPicPr/>
+              <p:nvPr/>
+            </p:nvPicPr>
+            <p:blipFill>
+              <a:blip r:embed="rId6"/>
+              <a:stretch>
+                <a:fillRect/>
+              </a:stretch>
+            </p:blipFill>
+            <p:spPr>
+              <a:xfrm>
+                <a:off x="2983680" y="2064600"/>
+                <a:ext cx="3337920" cy="1339560"/>
+              </a:xfrm>
+              <a:prstGeom prst="rect">
+                <a:avLst/>
+              </a:prstGeom>
+            </p:spPr>
+          </p:pic>
+        </mc:Fallback>
+      </mc:AlternateContent>
     </p:spTree>
   </p:cSld>
   <p:clrMapOvr>
@@ -7748,6 +8194,57 @@
           </a:p>
         </p:txBody>
       </p:sp>
+      <mc:AlternateContent xmlns:mc="http://schemas.openxmlformats.org/markup-compatibility/2006">
+        <mc:Choice xmlns:p14="http://schemas.microsoft.com/office/powerpoint/2010/main" Requires="p14">
+          <p:contentPart p14:bwMode="auto" r:id="rId3">
+            <p14:nvContentPartPr>
+              <p14:cNvPr id="10" name="Ink 9">
+                <a:extLst>
+                  <a:ext uri="{FF2B5EF4-FFF2-40B4-BE49-F238E27FC236}">
+                    <a16:creationId xmlns:a16="http://schemas.microsoft.com/office/drawing/2014/main" id="{8A5AA50E-D771-A9B3-194D-96A8432C271A}"/>
+                  </a:ext>
+                </a:extLst>
+              </p14:cNvPr>
+              <p14:cNvContentPartPr/>
+              <p14:nvPr/>
+            </p14:nvContentPartPr>
+            <p14:xfrm>
+              <a:off x="4616640" y="2143800"/>
+              <a:ext cx="1297080" cy="425520"/>
+            </p14:xfrm>
+          </p:contentPart>
+        </mc:Choice>
+        <mc:Fallback>
+          <p:pic>
+            <p:nvPicPr>
+              <p:cNvPr id="10" name="Ink 9">
+                <a:extLst>
+                  <a:ext uri="{FF2B5EF4-FFF2-40B4-BE49-F238E27FC236}">
+                    <a16:creationId xmlns:a16="http://schemas.microsoft.com/office/drawing/2014/main" id="{8A5AA50E-D771-A9B3-194D-96A8432C271A}"/>
+                  </a:ext>
+                </a:extLst>
+              </p:cNvPr>
+              <p:cNvPicPr/>
+              <p:nvPr/>
+            </p:nvPicPr>
+            <p:blipFill>
+              <a:blip r:embed="rId4"/>
+              <a:stretch>
+                <a:fillRect/>
+              </a:stretch>
+            </p:blipFill>
+            <p:spPr>
+              <a:xfrm>
+                <a:off x="4607280" y="2134440"/>
+                <a:ext cx="1315800" cy="444240"/>
+              </a:xfrm>
+              <a:prstGeom prst="rect">
+                <a:avLst/>
+              </a:prstGeom>
+            </p:spPr>
+          </p:pic>
+        </mc:Fallback>
+      </mc:AlternateContent>
     </p:spTree>
   </p:cSld>
   <p:clrMapOvr>
@@ -9059,6 +9556,57 @@
           </a:p>
         </p:txBody>
       </p:sp>
+      <mc:AlternateContent xmlns:mc="http://schemas.openxmlformats.org/markup-compatibility/2006">
+        <mc:Choice xmlns:p14="http://schemas.microsoft.com/office/powerpoint/2010/main" Requires="p14">
+          <p:contentPart p14:bwMode="auto" r:id="rId2">
+            <p14:nvContentPartPr>
+              <p14:cNvPr id="3" name="Ink 2">
+                <a:extLst>
+                  <a:ext uri="{FF2B5EF4-FFF2-40B4-BE49-F238E27FC236}">
+                    <a16:creationId xmlns:a16="http://schemas.microsoft.com/office/drawing/2014/main" id="{11FD79BA-D1FB-6159-4385-F03A1F3313BF}"/>
+                  </a:ext>
+                </a:extLst>
+              </p14:cNvPr>
+              <p14:cNvContentPartPr/>
+              <p14:nvPr/>
+            </p14:nvContentPartPr>
+            <p14:xfrm>
+              <a:off x="2873520" y="983520"/>
+              <a:ext cx="3161160" cy="261720"/>
+            </p14:xfrm>
+          </p:contentPart>
+        </mc:Choice>
+        <mc:Fallback>
+          <p:pic>
+            <p:nvPicPr>
+              <p:cNvPr id="3" name="Ink 2">
+                <a:extLst>
+                  <a:ext uri="{FF2B5EF4-FFF2-40B4-BE49-F238E27FC236}">
+                    <a16:creationId xmlns:a16="http://schemas.microsoft.com/office/drawing/2014/main" id="{11FD79BA-D1FB-6159-4385-F03A1F3313BF}"/>
+                  </a:ext>
+                </a:extLst>
+              </p:cNvPr>
+              <p:cNvPicPr/>
+              <p:nvPr/>
+            </p:nvPicPr>
+            <p:blipFill>
+              <a:blip r:embed="rId3"/>
+              <a:stretch>
+                <a:fillRect/>
+              </a:stretch>
+            </p:blipFill>
+            <p:spPr>
+              <a:xfrm>
+                <a:off x="2864160" y="974160"/>
+                <a:ext cx="3179880" cy="280440"/>
+              </a:xfrm>
+              <a:prstGeom prst="rect">
+                <a:avLst/>
+              </a:prstGeom>
+            </p:spPr>
+          </p:pic>
+        </mc:Fallback>
+      </mc:AlternateContent>
     </p:spTree>
     <p:extLst>
       <p:ext uri="{BB962C8B-B14F-4D97-AF65-F5344CB8AC3E}">
@@ -9655,7 +10203,7 @@
                 <a:latin typeface="Arial"/>
                 <a:cs typeface="Arial"/>
               </a:rPr>
-              <a:t>IMPLICIT: I stand in the rain, I get wet</a:t>
+              <a:t>IMPLICIT: I stand in the rain (no umbrellas, etc), I get wet</a:t>
             </a:r>
           </a:p>
         </p:txBody>
@@ -16047,6 +16595,57 @@
           </a:prstGeom>
         </p:spPr>
       </p:pic>
+      <mc:AlternateContent xmlns:mc="http://schemas.openxmlformats.org/markup-compatibility/2006">
+        <mc:Choice xmlns:p14="http://schemas.microsoft.com/office/powerpoint/2010/main" Requires="p14">
+          <p:contentPart p14:bwMode="auto" r:id="rId3">
+            <p14:nvContentPartPr>
+              <p14:cNvPr id="3" name="Ink 2">
+                <a:extLst>
+                  <a:ext uri="{FF2B5EF4-FFF2-40B4-BE49-F238E27FC236}">
+                    <a16:creationId xmlns:a16="http://schemas.microsoft.com/office/drawing/2014/main" id="{954AF41A-F850-1C99-E438-6C87A25E95CD}"/>
+                  </a:ext>
+                </a:extLst>
+              </p14:cNvPr>
+              <p14:cNvContentPartPr/>
+              <p14:nvPr/>
+            </p14:nvContentPartPr>
+            <p14:xfrm>
+              <a:off x="1639800" y="1842480"/>
+              <a:ext cx="4517280" cy="1972440"/>
+            </p14:xfrm>
+          </p:contentPart>
+        </mc:Choice>
+        <mc:Fallback>
+          <p:pic>
+            <p:nvPicPr>
+              <p:cNvPr id="3" name="Ink 2">
+                <a:extLst>
+                  <a:ext uri="{FF2B5EF4-FFF2-40B4-BE49-F238E27FC236}">
+                    <a16:creationId xmlns:a16="http://schemas.microsoft.com/office/drawing/2014/main" id="{954AF41A-F850-1C99-E438-6C87A25E95CD}"/>
+                  </a:ext>
+                </a:extLst>
+              </p:cNvPr>
+              <p:cNvPicPr/>
+              <p:nvPr/>
+            </p:nvPicPr>
+            <p:blipFill>
+              <a:blip r:embed="rId4"/>
+              <a:stretch>
+                <a:fillRect/>
+              </a:stretch>
+            </p:blipFill>
+            <p:spPr>
+              <a:xfrm>
+                <a:off x="1630440" y="1833120"/>
+                <a:ext cx="4536000" cy="1991160"/>
+              </a:xfrm>
+              <a:prstGeom prst="rect">
+                <a:avLst/>
+              </a:prstGeom>
+            </p:spPr>
+          </p:pic>
+        </mc:Fallback>
+      </mc:AlternateContent>
     </p:spTree>
     <p:extLst>
       <p:ext uri="{BB962C8B-B14F-4D97-AF65-F5344CB8AC3E}">
